--- a/presentasi 1.pptx
+++ b/presentasi 1.pptx
@@ -6,78 +6,79 @@
   </p:sldMasterIdLst>
   <p:sldIdLst>
     <p:sldId id="256" r:id="rId2"/>
-    <p:sldId id="257" r:id="rId3"/>
-    <p:sldId id="258" r:id="rId4"/>
-    <p:sldId id="259" r:id="rId5"/>
-    <p:sldId id="260" r:id="rId6"/>
-    <p:sldId id="261" r:id="rId7"/>
-    <p:sldId id="262" r:id="rId8"/>
-    <p:sldId id="263" r:id="rId9"/>
-    <p:sldId id="264" r:id="rId10"/>
-    <p:sldId id="265" r:id="rId11"/>
-    <p:sldId id="266" r:id="rId12"/>
-    <p:sldId id="267" r:id="rId13"/>
-    <p:sldId id="268" r:id="rId14"/>
-    <p:sldId id="269" r:id="rId15"/>
-    <p:sldId id="270" r:id="rId16"/>
-    <p:sldId id="271" r:id="rId17"/>
-    <p:sldId id="335" r:id="rId18"/>
-    <p:sldId id="272" r:id="rId19"/>
-    <p:sldId id="273" r:id="rId20"/>
-    <p:sldId id="274" r:id="rId21"/>
-    <p:sldId id="275" r:id="rId22"/>
-    <p:sldId id="286" r:id="rId23"/>
-    <p:sldId id="287" r:id="rId24"/>
-    <p:sldId id="290" r:id="rId25"/>
-    <p:sldId id="289" r:id="rId26"/>
-    <p:sldId id="288" r:id="rId27"/>
-    <p:sldId id="291" r:id="rId28"/>
-    <p:sldId id="293" r:id="rId29"/>
-    <p:sldId id="292" r:id="rId30"/>
-    <p:sldId id="296" r:id="rId31"/>
-    <p:sldId id="295" r:id="rId32"/>
-    <p:sldId id="294" r:id="rId33"/>
-    <p:sldId id="276" r:id="rId34"/>
-    <p:sldId id="277" r:id="rId35"/>
-    <p:sldId id="279" r:id="rId36"/>
-    <p:sldId id="297" r:id="rId37"/>
-    <p:sldId id="298" r:id="rId38"/>
-    <p:sldId id="299" r:id="rId39"/>
-    <p:sldId id="300" r:id="rId40"/>
-    <p:sldId id="301" r:id="rId41"/>
-    <p:sldId id="302" r:id="rId42"/>
-    <p:sldId id="303" r:id="rId43"/>
-    <p:sldId id="304" r:id="rId44"/>
-    <p:sldId id="305" r:id="rId45"/>
-    <p:sldId id="306" r:id="rId46"/>
-    <p:sldId id="307" r:id="rId47"/>
-    <p:sldId id="308" r:id="rId48"/>
-    <p:sldId id="309" r:id="rId49"/>
-    <p:sldId id="310" r:id="rId50"/>
-    <p:sldId id="311" r:id="rId51"/>
-    <p:sldId id="314" r:id="rId52"/>
-    <p:sldId id="315" r:id="rId53"/>
-    <p:sldId id="313" r:id="rId54"/>
-    <p:sldId id="312" r:id="rId55"/>
-    <p:sldId id="316" r:id="rId56"/>
-    <p:sldId id="317" r:id="rId57"/>
-    <p:sldId id="319" r:id="rId58"/>
-    <p:sldId id="318" r:id="rId59"/>
-    <p:sldId id="320" r:id="rId60"/>
-    <p:sldId id="321" r:id="rId61"/>
-    <p:sldId id="325" r:id="rId62"/>
-    <p:sldId id="326" r:id="rId63"/>
-    <p:sldId id="322" r:id="rId64"/>
-    <p:sldId id="323" r:id="rId65"/>
-    <p:sldId id="324" r:id="rId66"/>
-    <p:sldId id="327" r:id="rId67"/>
-    <p:sldId id="328" r:id="rId68"/>
-    <p:sldId id="329" r:id="rId69"/>
-    <p:sldId id="330" r:id="rId70"/>
-    <p:sldId id="331" r:id="rId71"/>
-    <p:sldId id="332" r:id="rId72"/>
-    <p:sldId id="333" r:id="rId73"/>
-    <p:sldId id="334" r:id="rId74"/>
+    <p:sldId id="336" r:id="rId3"/>
+    <p:sldId id="257" r:id="rId4"/>
+    <p:sldId id="258" r:id="rId5"/>
+    <p:sldId id="259" r:id="rId6"/>
+    <p:sldId id="260" r:id="rId7"/>
+    <p:sldId id="261" r:id="rId8"/>
+    <p:sldId id="262" r:id="rId9"/>
+    <p:sldId id="263" r:id="rId10"/>
+    <p:sldId id="264" r:id="rId11"/>
+    <p:sldId id="265" r:id="rId12"/>
+    <p:sldId id="266" r:id="rId13"/>
+    <p:sldId id="267" r:id="rId14"/>
+    <p:sldId id="268" r:id="rId15"/>
+    <p:sldId id="269" r:id="rId16"/>
+    <p:sldId id="270" r:id="rId17"/>
+    <p:sldId id="271" r:id="rId18"/>
+    <p:sldId id="335" r:id="rId19"/>
+    <p:sldId id="272" r:id="rId20"/>
+    <p:sldId id="273" r:id="rId21"/>
+    <p:sldId id="274" r:id="rId22"/>
+    <p:sldId id="275" r:id="rId23"/>
+    <p:sldId id="286" r:id="rId24"/>
+    <p:sldId id="287" r:id="rId25"/>
+    <p:sldId id="290" r:id="rId26"/>
+    <p:sldId id="289" r:id="rId27"/>
+    <p:sldId id="288" r:id="rId28"/>
+    <p:sldId id="291" r:id="rId29"/>
+    <p:sldId id="293" r:id="rId30"/>
+    <p:sldId id="292" r:id="rId31"/>
+    <p:sldId id="296" r:id="rId32"/>
+    <p:sldId id="295" r:id="rId33"/>
+    <p:sldId id="294" r:id="rId34"/>
+    <p:sldId id="276" r:id="rId35"/>
+    <p:sldId id="277" r:id="rId36"/>
+    <p:sldId id="279" r:id="rId37"/>
+    <p:sldId id="297" r:id="rId38"/>
+    <p:sldId id="298" r:id="rId39"/>
+    <p:sldId id="299" r:id="rId40"/>
+    <p:sldId id="300" r:id="rId41"/>
+    <p:sldId id="301" r:id="rId42"/>
+    <p:sldId id="302" r:id="rId43"/>
+    <p:sldId id="303" r:id="rId44"/>
+    <p:sldId id="304" r:id="rId45"/>
+    <p:sldId id="305" r:id="rId46"/>
+    <p:sldId id="306" r:id="rId47"/>
+    <p:sldId id="307" r:id="rId48"/>
+    <p:sldId id="308" r:id="rId49"/>
+    <p:sldId id="309" r:id="rId50"/>
+    <p:sldId id="310" r:id="rId51"/>
+    <p:sldId id="311" r:id="rId52"/>
+    <p:sldId id="314" r:id="rId53"/>
+    <p:sldId id="315" r:id="rId54"/>
+    <p:sldId id="313" r:id="rId55"/>
+    <p:sldId id="312" r:id="rId56"/>
+    <p:sldId id="316" r:id="rId57"/>
+    <p:sldId id="317" r:id="rId58"/>
+    <p:sldId id="319" r:id="rId59"/>
+    <p:sldId id="318" r:id="rId60"/>
+    <p:sldId id="320" r:id="rId61"/>
+    <p:sldId id="321" r:id="rId62"/>
+    <p:sldId id="325" r:id="rId63"/>
+    <p:sldId id="326" r:id="rId64"/>
+    <p:sldId id="322" r:id="rId65"/>
+    <p:sldId id="323" r:id="rId66"/>
+    <p:sldId id="324" r:id="rId67"/>
+    <p:sldId id="327" r:id="rId68"/>
+    <p:sldId id="328" r:id="rId69"/>
+    <p:sldId id="329" r:id="rId70"/>
+    <p:sldId id="330" r:id="rId71"/>
+    <p:sldId id="331" r:id="rId72"/>
+    <p:sldId id="332" r:id="rId73"/>
+    <p:sldId id="333" r:id="rId74"/>
+    <p:sldId id="334" r:id="rId75"/>
   </p:sldIdLst>
   <p:sldSz cx="12192000" cy="6858000"/>
   <p:notesSz cx="6858000" cy="9144000"/>
@@ -182,6 +183,7 @@
         <p14:section name="Judul" id="{0670E1CB-847E-43B0-9249-7A20CA1E4140}">
           <p14:sldIdLst>
             <p14:sldId id="256"/>
+            <p14:sldId id="336"/>
           </p14:sldIdLst>
         </p14:section>
         <p14:section name="Agenda" id="{B8D789C3-1234-4AAB-8571-5A7C8CFB666B}">
@@ -526,7 +528,7 @@
             <a:fld id="{B61BEF0D-F0BB-DE4B-95CE-6DB70DBA9567}" type="datetimeFigureOut">
               <a:rPr lang="en-US"/>
               <a:pPr/>
-              <a:t>10/11/2019</a:t>
+              <a:t>11/3/2019</a:t>
             </a:fld>
             <a:endParaRPr lang="en-US"/>
           </a:p>
@@ -855,7 +857,7 @@
             <a:fld id="{B61BEF0D-F0BB-DE4B-95CE-6DB70DBA9567}" type="datetimeFigureOut">
               <a:rPr lang="en-US"/>
               <a:pPr/>
-              <a:t>10/11/2019</a:t>
+              <a:t>11/3/2019</a:t>
             </a:fld>
             <a:endParaRPr lang="en-US"/>
           </a:p>
@@ -1100,7 +1102,7 @@
             <a:fld id="{B61BEF0D-F0BB-DE4B-95CE-6DB70DBA9567}" type="datetimeFigureOut">
               <a:rPr lang="en-US"/>
               <a:pPr/>
-              <a:t>10/11/2019</a:t>
+              <a:t>11/3/2019</a:t>
             </a:fld>
             <a:endParaRPr lang="en-US"/>
           </a:p>
@@ -1443,7 +1445,7 @@
             <a:fld id="{B61BEF0D-F0BB-DE4B-95CE-6DB70DBA9567}" type="datetimeFigureOut">
               <a:rPr lang="en-US"/>
               <a:pPr/>
-              <a:t>10/11/2019</a:t>
+              <a:t>11/3/2019</a:t>
             </a:fld>
             <a:endParaRPr lang="en-US"/>
           </a:p>
@@ -1794,7 +1796,7 @@
             <a:fld id="{B61BEF0D-F0BB-DE4B-95CE-6DB70DBA9567}" type="datetimeFigureOut">
               <a:rPr lang="en-US"/>
               <a:pPr/>
-              <a:t>10/11/2019</a:t>
+              <a:t>11/3/2019</a:t>
             </a:fld>
             <a:endParaRPr lang="en-US"/>
           </a:p>
@@ -2165,7 +2167,7 @@
             <a:fld id="{B61BEF0D-F0BB-DE4B-95CE-6DB70DBA9567}" type="datetimeFigureOut">
               <a:rPr lang="en-US"/>
               <a:pPr/>
-              <a:t>10/11/2019</a:t>
+              <a:t>11/3/2019</a:t>
             </a:fld>
             <a:endParaRPr lang="en-US"/>
           </a:p>
@@ -2639,7 +2641,7 @@
             <a:fld id="{B61BEF0D-F0BB-DE4B-95CE-6DB70DBA9567}" type="datetimeFigureOut">
               <a:rPr lang="en-US"/>
               <a:pPr/>
-              <a:t>10/11/2019</a:t>
+              <a:t>11/3/2019</a:t>
             </a:fld>
             <a:endParaRPr lang="en-US"/>
           </a:p>
@@ -2848,7 +2850,7 @@
             <a:fld id="{B61BEF0D-F0BB-DE4B-95CE-6DB70DBA9567}" type="datetimeFigureOut">
               <a:rPr lang="en-US"/>
               <a:pPr/>
-              <a:t>10/11/2019</a:t>
+              <a:t>11/3/2019</a:t>
             </a:fld>
             <a:endParaRPr lang="en-US"/>
           </a:p>
@@ -3063,7 +3065,7 @@
             <a:fld id="{B61BEF0D-F0BB-DE4B-95CE-6DB70DBA9567}" type="datetimeFigureOut">
               <a:rPr lang="en-US"/>
               <a:pPr/>
-              <a:t>10/11/2019</a:t>
+              <a:t>11/3/2019</a:t>
             </a:fld>
             <a:endParaRPr lang="en-US"/>
           </a:p>
@@ -3305,7 +3307,7 @@
           <a:p>
             <a:fld id="{05BFA754-D5C3-4E66-96A6-867B257F58DC}" type="datetimeFigureOut">
               <a:rPr lang="en-US"/>
-              <a:t>10/11/2019</a:t>
+              <a:t>11/3/2019</a:t>
             </a:fld>
             <a:endParaRPr lang="en-US"/>
           </a:p>
@@ -3549,7 +3551,7 @@
             <a:fld id="{B61BEF0D-F0BB-DE4B-95CE-6DB70DBA9567}" type="datetimeFigureOut">
               <a:rPr lang="en-US"/>
               <a:pPr/>
-              <a:t>10/11/2019</a:t>
+              <a:t>11/3/2019</a:t>
             </a:fld>
             <a:endParaRPr lang="en-US"/>
           </a:p>
@@ -3857,7 +3859,7 @@
           <a:p>
             <a:fld id="{05BFA754-D5C3-4E66-96A6-867B257F58DC}" type="datetimeFigureOut">
               <a:rPr lang="en-US"/>
-              <a:t>10/11/2019</a:t>
+              <a:t>11/3/2019</a:t>
             </a:fld>
             <a:endParaRPr lang="en-US"/>
           </a:p>
@@ -4235,7 +4237,7 @@
             <a:fld id="{B61BEF0D-F0BB-DE4B-95CE-6DB70DBA9567}" type="datetimeFigureOut">
               <a:rPr lang="en-US"/>
               <a:pPr/>
-              <a:t>10/11/2019</a:t>
+              <a:t>11/3/2019</a:t>
             </a:fld>
             <a:endParaRPr lang="en-US"/>
           </a:p>
@@ -4388,7 +4390,7 @@
             <a:fld id="{B61BEF0D-F0BB-DE4B-95CE-6DB70DBA9567}" type="datetimeFigureOut">
               <a:rPr lang="en-US"/>
               <a:pPr/>
-              <a:t>10/11/2019</a:t>
+              <a:t>11/3/2019</a:t>
             </a:fld>
             <a:endParaRPr lang="en-US"/>
           </a:p>
@@ -4518,7 +4520,7 @@
             <a:fld id="{B61BEF0D-F0BB-DE4B-95CE-6DB70DBA9567}" type="datetimeFigureOut">
               <a:rPr lang="en-US"/>
               <a:pPr/>
-              <a:t>10/11/2019</a:t>
+              <a:t>11/3/2019</a:t>
             </a:fld>
             <a:endParaRPr lang="en-US"/>
           </a:p>
@@ -4770,7 +4772,7 @@
             <a:fld id="{B61BEF0D-F0BB-DE4B-95CE-6DB70DBA9567}" type="datetimeFigureOut">
               <a:rPr lang="en-US"/>
               <a:pPr/>
-              <a:t>10/11/2019</a:t>
+              <a:t>11/3/2019</a:t>
             </a:fld>
             <a:endParaRPr lang="en-US"/>
           </a:p>
@@ -5089,7 +5091,7 @@
             <a:fld id="{B61BEF0D-F0BB-DE4B-95CE-6DB70DBA9567}" type="datetimeFigureOut">
               <a:rPr lang="en-US"/>
               <a:pPr/>
-              <a:t>10/11/2019</a:t>
+              <a:t>11/3/2019</a:t>
             </a:fld>
             <a:endParaRPr lang="en-US"/>
           </a:p>
@@ -5330,7 +5332,7 @@
             <a:fld id="{B61BEF0D-F0BB-DE4B-95CE-6DB70DBA9567}" type="datetimeFigureOut">
               <a:rPr lang="en-US"/>
               <a:pPr/>
-              <a:t>10/11/2019</a:t>
+              <a:t>11/3/2019</a:t>
             </a:fld>
             <a:endParaRPr lang="en-US"/>
           </a:p>
@@ -5982,6 +5984,129 @@
           <a:p>
             <a:r>
               <a:rPr lang="en-US" smtClean="0"/>
+              <a:t>SQL Server Express</a:t>
+            </a:r>
+            <a:endParaRPr lang="id-ID"/>
+          </a:p>
+        </p:txBody>
+      </p:sp>
+      <p:sp>
+        <p:nvSpPr>
+          <p:cNvPr id="3" name="Content Placeholder 2"/>
+          <p:cNvSpPr>
+            <a:spLocks noGrp="1"/>
+          </p:cNvSpPr>
+          <p:nvPr>
+            <p:ph idx="1"/>
+          </p:nvPr>
+        </p:nvSpPr>
+        <p:spPr/>
+        <p:txBody>
+          <a:bodyPr/>
+          <a:lstStyle/>
+          <a:p>
+            <a:r>
+              <a:rPr lang="en-US" smtClean="0"/>
+              <a:t>Database SQL Server versi gratis</a:t>
+            </a:r>
+          </a:p>
+          <a:p>
+            <a:r>
+              <a:rPr lang="en-US" smtClean="0"/>
+              <a:t>Fungsional lengkap</a:t>
+            </a:r>
+          </a:p>
+          <a:p>
+            <a:r>
+              <a:rPr lang="en-US" smtClean="0"/>
+              <a:t>Pembatasan:</a:t>
+            </a:r>
+          </a:p>
+          <a:p>
+            <a:pPr lvl="1"/>
+            <a:r>
+              <a:rPr lang="en-US" smtClean="0"/>
+              <a:t>RAM 1GB</a:t>
+            </a:r>
+          </a:p>
+          <a:p>
+            <a:pPr lvl="1"/>
+            <a:r>
+              <a:rPr lang="en-US" smtClean="0"/>
+              <a:t>Database Maksimal 8 GB</a:t>
+            </a:r>
+          </a:p>
+          <a:p>
+            <a:pPr lvl="1"/>
+            <a:r>
+              <a:rPr lang="en-US" smtClean="0"/>
+              <a:t>1 CPU</a:t>
+            </a:r>
+          </a:p>
+          <a:p>
+            <a:pPr lvl="1"/>
+            <a:r>
+              <a:rPr lang="en-US" smtClean="0"/>
+              <a:t>Tidak mendukung SQL Agent Job Scheduling &amp; Tuning Advisor</a:t>
+            </a:r>
+            <a:endParaRPr lang="id-ID"/>
+          </a:p>
+        </p:txBody>
+      </p:sp>
+    </p:spTree>
+    <p:extLst>
+      <p:ext uri="{BB962C8B-B14F-4D97-AF65-F5344CB8AC3E}">
+        <p14:creationId xmlns:p14="http://schemas.microsoft.com/office/powerpoint/2010/main" val="2921467980"/>
+      </p:ext>
+    </p:extLst>
+  </p:cSld>
+  <p:clrMapOvr>
+    <a:masterClrMapping/>
+  </p:clrMapOvr>
+  <p:timing>
+    <p:tnLst>
+      <p:par>
+        <p:cTn id="1" dur="indefinite" restart="never" nodeType="tmRoot"/>
+      </p:par>
+    </p:tnLst>
+  </p:timing>
+</p:sld>
+</file>
+
+<file path=ppt/slides/slide11.xml><?xml version="1.0" encoding="utf-8"?>
+<p:sld xmlns:a="http://schemas.openxmlformats.org/drawingml/2006/main" xmlns:r="http://schemas.openxmlformats.org/officeDocument/2006/relationships" xmlns:p="http://schemas.openxmlformats.org/presentationml/2006/main">
+  <p:cSld>
+    <p:spTree>
+      <p:nvGrpSpPr>
+        <p:cNvPr id="1" name=""/>
+        <p:cNvGrpSpPr/>
+        <p:nvPr/>
+      </p:nvGrpSpPr>
+      <p:grpSpPr>
+        <a:xfrm>
+          <a:off x="0" y="0"/>
+          <a:ext cx="0" cy="0"/>
+          <a:chOff x="0" y="0"/>
+          <a:chExt cx="0" cy="0"/>
+        </a:xfrm>
+      </p:grpSpPr>
+      <p:sp>
+        <p:nvSpPr>
+          <p:cNvPr id="2" name="Title 1"/>
+          <p:cNvSpPr>
+            <a:spLocks noGrp="1"/>
+          </p:cNvSpPr>
+          <p:nvPr>
+            <p:ph type="title"/>
+          </p:nvPr>
+        </p:nvSpPr>
+        <p:spPr/>
+        <p:txBody>
+          <a:bodyPr/>
+          <a:lstStyle/>
+          <a:p>
+            <a:r>
+              <a:rPr lang="en-US" smtClean="0"/>
               <a:t>Project Pertama</a:t>
             </a:r>
             <a:endParaRPr lang="id-ID"/>
@@ -6098,7 +6223,7 @@
 </p:sld>
 </file>
 
-<file path=ppt/slides/slide11.xml><?xml version="1.0" encoding="utf-8"?>
+<file path=ppt/slides/slide12.xml><?xml version="1.0" encoding="utf-8"?>
 <p:sld xmlns:a="http://schemas.openxmlformats.org/drawingml/2006/main" xmlns:r="http://schemas.openxmlformats.org/officeDocument/2006/relationships" xmlns:p="http://schemas.openxmlformats.org/presentationml/2006/main">
   <p:cSld>
     <p:spTree>
@@ -6159,7 +6284,7 @@
 </p:sld>
 </file>
 
-<file path=ppt/slides/slide12.xml><?xml version="1.0" encoding="utf-8"?>
+<file path=ppt/slides/slide13.xml><?xml version="1.0" encoding="utf-8"?>
 <p:sld xmlns:a="http://schemas.openxmlformats.org/drawingml/2006/main" xmlns:r="http://schemas.openxmlformats.org/officeDocument/2006/relationships" xmlns:p="http://schemas.openxmlformats.org/presentationml/2006/main">
   <p:cSld>
     <p:spTree>
@@ -6254,7 +6379,7 @@
 </p:sld>
 </file>
 
-<file path=ppt/slides/slide13.xml><?xml version="1.0" encoding="utf-8"?>
+<file path=ppt/slides/slide14.xml><?xml version="1.0" encoding="utf-8"?>
 <p:sld xmlns:a="http://schemas.openxmlformats.org/drawingml/2006/main" xmlns:r="http://schemas.openxmlformats.org/officeDocument/2006/relationships" xmlns:p="http://schemas.openxmlformats.org/presentationml/2006/main">
   <p:cSld>
     <p:spTree>
@@ -6315,7 +6440,7 @@
 </p:sld>
 </file>
 
-<file path=ppt/slides/slide14.xml><?xml version="1.0" encoding="utf-8"?>
+<file path=ppt/slides/slide15.xml><?xml version="1.0" encoding="utf-8"?>
 <p:sld xmlns:a="http://schemas.openxmlformats.org/drawingml/2006/main" xmlns:r="http://schemas.openxmlformats.org/officeDocument/2006/relationships" xmlns:p="http://schemas.openxmlformats.org/presentationml/2006/main">
   <p:cSld>
     <p:spTree>
@@ -6376,7 +6501,7 @@
 </p:sld>
 </file>
 
-<file path=ppt/slides/slide15.xml><?xml version="1.0" encoding="utf-8"?>
+<file path=ppt/slides/slide16.xml><?xml version="1.0" encoding="utf-8"?>
 <p:sld xmlns:a="http://schemas.openxmlformats.org/drawingml/2006/main" xmlns:r="http://schemas.openxmlformats.org/officeDocument/2006/relationships" xmlns:p="http://schemas.openxmlformats.org/presentationml/2006/main">
   <p:cSld>
     <p:spTree>
@@ -6499,7 +6624,7 @@
 </p:sld>
 </file>
 
-<file path=ppt/slides/slide16.xml><?xml version="1.0" encoding="utf-8"?>
+<file path=ppt/slides/slide17.xml><?xml version="1.0" encoding="utf-8"?>
 <p:sld xmlns:a="http://schemas.openxmlformats.org/drawingml/2006/main" xmlns:r="http://schemas.openxmlformats.org/officeDocument/2006/relationships" xmlns:p="http://schemas.openxmlformats.org/presentationml/2006/main">
   <p:cSld>
     <p:spTree>
@@ -6560,7 +6685,7 @@
 </p:sld>
 </file>
 
-<file path=ppt/slides/slide17.xml><?xml version="1.0" encoding="utf-8"?>
+<file path=ppt/slides/slide18.xml><?xml version="1.0" encoding="utf-8"?>
 <p:sld xmlns:a="http://schemas.openxmlformats.org/drawingml/2006/main" xmlns:r="http://schemas.openxmlformats.org/officeDocument/2006/relationships" xmlns:p="http://schemas.openxmlformats.org/presentationml/2006/main">
   <p:cSld>
     <p:spTree>
@@ -6614,7 +6739,7 @@
 </p:sld>
 </file>
 
-<file path=ppt/slides/slide18.xml><?xml version="1.0" encoding="utf-8"?>
+<file path=ppt/slides/slide19.xml><?xml version="1.0" encoding="utf-8"?>
 <p:sld xmlns:a="http://schemas.openxmlformats.org/drawingml/2006/main" xmlns:r="http://schemas.openxmlformats.org/officeDocument/2006/relationships" xmlns:p="http://schemas.openxmlformats.org/presentationml/2006/main">
   <p:cSld>
     <p:spTree>
@@ -6675,7 +6800,113 @@
 </p:sld>
 </file>
 
-<file path=ppt/slides/slide19.xml><?xml version="1.0" encoding="utf-8"?>
+<file path=ppt/slides/slide2.xml><?xml version="1.0" encoding="utf-8"?>
+<p:sld xmlns:a="http://schemas.openxmlformats.org/drawingml/2006/main" xmlns:r="http://schemas.openxmlformats.org/officeDocument/2006/relationships" xmlns:p="http://schemas.openxmlformats.org/presentationml/2006/main">
+  <p:cSld>
+    <p:spTree>
+      <p:nvGrpSpPr>
+        <p:cNvPr id="1" name=""/>
+        <p:cNvGrpSpPr/>
+        <p:nvPr/>
+      </p:nvGrpSpPr>
+      <p:grpSpPr>
+        <a:xfrm>
+          <a:off x="0" y="0"/>
+          <a:ext cx="0" cy="0"/>
+          <a:chOff x="0" y="0"/>
+          <a:chExt cx="0" cy="0"/>
+        </a:xfrm>
+      </p:grpSpPr>
+      <p:sp>
+        <p:nvSpPr>
+          <p:cNvPr id="2" name="Title 1"/>
+          <p:cNvSpPr>
+            <a:spLocks noGrp="1"/>
+          </p:cNvSpPr>
+          <p:nvPr>
+            <p:ph type="title"/>
+          </p:nvPr>
+        </p:nvSpPr>
+        <p:spPr/>
+        <p:txBody>
+          <a:bodyPr/>
+          <a:lstStyle/>
+          <a:p>
+            <a:r>
+              <a:rPr lang="en-US" smtClean="0"/>
+              <a:t>Prayitna Kuswidianta</a:t>
+            </a:r>
+            <a:endParaRPr lang="id-ID"/>
+          </a:p>
+        </p:txBody>
+      </p:sp>
+      <p:sp>
+        <p:nvSpPr>
+          <p:cNvPr id="3" name="Content Placeholder 2"/>
+          <p:cNvSpPr>
+            <a:spLocks noGrp="1"/>
+          </p:cNvSpPr>
+          <p:nvPr>
+            <p:ph idx="1"/>
+          </p:nvPr>
+        </p:nvSpPr>
+        <p:spPr/>
+        <p:txBody>
+          <a:bodyPr/>
+          <a:lstStyle/>
+          <a:p>
+            <a:r>
+              <a:rPr lang="en-US" smtClean="0"/>
+              <a:t>Scrum Muster di Badan Sistem Informasi UII</a:t>
+            </a:r>
+          </a:p>
+          <a:p>
+            <a:r>
+              <a:rPr lang="en-US" smtClean="0"/>
+              <a:t>Developer di Badan Sistem Informasi UII</a:t>
+            </a:r>
+          </a:p>
+          <a:p>
+            <a:r>
+              <a:rPr lang="en-US" smtClean="0"/>
+              <a:t>Pendidikan S1 Teknik Elektro konsentrasi Informatika UGM</a:t>
+            </a:r>
+          </a:p>
+          <a:p>
+            <a:r>
+              <a:rPr lang="en-US" smtClean="0"/>
+              <a:t>Tempat tinggal : Plosokuning V 25/10 Minomartani Ngaglik Sleman</a:t>
+            </a:r>
+          </a:p>
+          <a:p>
+            <a:r>
+              <a:rPr lang="en-US" smtClean="0"/>
+              <a:t>Kontak : 0896 570 22532</a:t>
+            </a:r>
+          </a:p>
+          <a:p>
+            <a:r>
+              <a:rPr lang="en-US" smtClean="0"/>
+              <a:t>Email : kusprayitna@gmail.com</a:t>
+            </a:r>
+            <a:endParaRPr lang="id-ID"/>
+          </a:p>
+        </p:txBody>
+      </p:sp>
+    </p:spTree>
+    <p:extLst>
+      <p:ext uri="{BB962C8B-B14F-4D97-AF65-F5344CB8AC3E}">
+        <p14:creationId xmlns:p14="http://schemas.microsoft.com/office/powerpoint/2010/main" val="4243035429"/>
+      </p:ext>
+    </p:extLst>
+  </p:cSld>
+  <p:clrMapOvr>
+    <a:masterClrMapping/>
+  </p:clrMapOvr>
+</p:sld>
+</file>
+
+<file path=ppt/slides/slide20.xml><?xml version="1.0" encoding="utf-8"?>
 <p:sld xmlns:a="http://schemas.openxmlformats.org/drawingml/2006/main" xmlns:r="http://schemas.openxmlformats.org/officeDocument/2006/relationships" xmlns:p="http://schemas.openxmlformats.org/presentationml/2006/main">
   <p:cSld>
     <p:spTree>
@@ -6736,116 +6967,7 @@
 </p:sld>
 </file>
 
-<file path=ppt/slides/slide2.xml><?xml version="1.0" encoding="utf-8"?>
-<p:sld xmlns:a="http://schemas.openxmlformats.org/drawingml/2006/main" xmlns:r="http://schemas.openxmlformats.org/officeDocument/2006/relationships" xmlns:p="http://schemas.openxmlformats.org/presentationml/2006/main">
-  <p:cSld>
-    <p:spTree>
-      <p:nvGrpSpPr>
-        <p:cNvPr id="1" name=""/>
-        <p:cNvGrpSpPr/>
-        <p:nvPr/>
-      </p:nvGrpSpPr>
-      <p:grpSpPr>
-        <a:xfrm>
-          <a:off x="0" y="0"/>
-          <a:ext cx="0" cy="0"/>
-          <a:chOff x="0" y="0"/>
-          <a:chExt cx="0" cy="0"/>
-        </a:xfrm>
-      </p:grpSpPr>
-      <p:sp>
-        <p:nvSpPr>
-          <p:cNvPr id="2" name="Title 1"/>
-          <p:cNvSpPr>
-            <a:spLocks noGrp="1"/>
-          </p:cNvSpPr>
-          <p:nvPr>
-            <p:ph type="title"/>
-          </p:nvPr>
-        </p:nvSpPr>
-        <p:spPr/>
-        <p:txBody>
-          <a:bodyPr/>
-          <a:lstStyle/>
-          <a:p>
-            <a:r>
-              <a:rPr lang="en-US" smtClean="0"/>
-              <a:t>Agenda</a:t>
-            </a:r>
-            <a:endParaRPr lang="id-ID"/>
-          </a:p>
-        </p:txBody>
-      </p:sp>
-      <p:sp>
-        <p:nvSpPr>
-          <p:cNvPr id="3" name="Content Placeholder 2"/>
-          <p:cNvSpPr>
-            <a:spLocks noGrp="1"/>
-          </p:cNvSpPr>
-          <p:nvPr>
-            <p:ph idx="1"/>
-          </p:nvPr>
-        </p:nvSpPr>
-        <p:spPr/>
-        <p:txBody>
-          <a:bodyPr/>
-          <a:lstStyle/>
-          <a:p>
-            <a:r>
-              <a:rPr lang="en-US" smtClean="0"/>
-              <a:t>Sejarah ASP.NET</a:t>
-            </a:r>
-          </a:p>
-          <a:p>
-            <a:r>
-              <a:rPr lang="en-US" smtClean="0"/>
-              <a:t>Persiapan</a:t>
-            </a:r>
-          </a:p>
-          <a:p>
-            <a:r>
-              <a:rPr lang="en-US" smtClean="0"/>
-              <a:t>Kontrol</a:t>
-            </a:r>
-          </a:p>
-          <a:p>
-            <a:pPr lvl="1"/>
-            <a:r>
-              <a:rPr lang="en-US" smtClean="0"/>
-              <a:t>Latihan 1, kontrol</a:t>
-            </a:r>
-          </a:p>
-          <a:p>
-            <a:pPr lvl="1"/>
-            <a:r>
-              <a:rPr lang="en-US" smtClean="0"/>
-              <a:t>Latihan 2, validasi control</a:t>
-            </a:r>
-          </a:p>
-          <a:p>
-            <a:pPr lvl="1"/>
-            <a:r>
-              <a:rPr lang="en-US" smtClean="0"/>
-              <a:t>Latihan 3, advance kontrol</a:t>
-            </a:r>
-            <a:endParaRPr lang="id-ID"/>
-          </a:p>
-        </p:txBody>
-      </p:sp>
-    </p:spTree>
-    <p:extLst>
-      <p:ext uri="{BB962C8B-B14F-4D97-AF65-F5344CB8AC3E}">
-        <p14:creationId xmlns:p14="http://schemas.microsoft.com/office/powerpoint/2010/main" val="3925288276"/>
-      </p:ext>
-    </p:extLst>
-  </p:cSld>
-  <p:clrMapOvr>
-    <a:masterClrMapping/>
-  </p:clrMapOvr>
-</p:sld>
-</file>
-
-<file path=ppt/slides/slide20.xml><?xml version="1.0" encoding="utf-8"?>
+<file path=ppt/slides/slide21.xml><?xml version="1.0" encoding="utf-8"?>
 <p:sld xmlns:a="http://schemas.openxmlformats.org/drawingml/2006/main" xmlns:r="http://schemas.openxmlformats.org/officeDocument/2006/relationships" xmlns:p="http://schemas.openxmlformats.org/presentationml/2006/main">
   <p:cSld>
     <p:spTree>
@@ -6940,7 +7062,7 @@
 </p:sld>
 </file>
 
-<file path=ppt/slides/slide21.xml><?xml version="1.0" encoding="utf-8"?>
+<file path=ppt/slides/slide22.xml><?xml version="1.0" encoding="utf-8"?>
 <p:sld xmlns:a="http://schemas.openxmlformats.org/drawingml/2006/main" xmlns:r="http://schemas.openxmlformats.org/officeDocument/2006/relationships" xmlns:p="http://schemas.openxmlformats.org/presentationml/2006/main">
   <p:cSld>
     <p:spTree>
@@ -7001,7 +7123,7 @@
 </p:sld>
 </file>
 
-<file path=ppt/slides/slide22.xml><?xml version="1.0" encoding="utf-8"?>
+<file path=ppt/slides/slide23.xml><?xml version="1.0" encoding="utf-8"?>
 <p:sld xmlns:a="http://schemas.openxmlformats.org/drawingml/2006/main" xmlns:r="http://schemas.openxmlformats.org/officeDocument/2006/relationships" xmlns:p="http://schemas.openxmlformats.org/presentationml/2006/main">
   <p:cSld>
     <p:spTree>
@@ -7062,7 +7184,7 @@
 </p:sld>
 </file>
 
-<file path=ppt/slides/slide23.xml><?xml version="1.0" encoding="utf-8"?>
+<file path=ppt/slides/slide24.xml><?xml version="1.0" encoding="utf-8"?>
 <p:sld xmlns:a="http://schemas.openxmlformats.org/drawingml/2006/main" xmlns:r="http://schemas.openxmlformats.org/officeDocument/2006/relationships" xmlns:p="http://schemas.openxmlformats.org/presentationml/2006/main">
   <p:cSld>
     <p:spTree>
@@ -7150,7 +7272,7 @@
 </p:sld>
 </file>
 
-<file path=ppt/slides/slide24.xml><?xml version="1.0" encoding="utf-8"?>
+<file path=ppt/slides/slide25.xml><?xml version="1.0" encoding="utf-8"?>
 <p:sld xmlns:a="http://schemas.openxmlformats.org/drawingml/2006/main" xmlns:r="http://schemas.openxmlformats.org/officeDocument/2006/relationships" xmlns:p="http://schemas.openxmlformats.org/presentationml/2006/main">
   <p:cSld>
     <p:spTree>
@@ -7211,7 +7333,7 @@
 </p:sld>
 </file>
 
-<file path=ppt/slides/slide25.xml><?xml version="1.0" encoding="utf-8"?>
+<file path=ppt/slides/slide26.xml><?xml version="1.0" encoding="utf-8"?>
 <p:sld xmlns:a="http://schemas.openxmlformats.org/drawingml/2006/main" xmlns:r="http://schemas.openxmlformats.org/officeDocument/2006/relationships" xmlns:p="http://schemas.openxmlformats.org/presentationml/2006/main">
   <p:cSld>
     <p:spTree>
@@ -7272,7 +7394,7 @@
 </p:sld>
 </file>
 
-<file path=ppt/slides/slide26.xml><?xml version="1.0" encoding="utf-8"?>
+<file path=ppt/slides/slide27.xml><?xml version="1.0" encoding="utf-8"?>
 <p:sld xmlns:a="http://schemas.openxmlformats.org/drawingml/2006/main" xmlns:r="http://schemas.openxmlformats.org/officeDocument/2006/relationships" xmlns:p="http://schemas.openxmlformats.org/presentationml/2006/main">
   <p:cSld>
     <p:spTree>
@@ -7333,7 +7455,7 @@
 </p:sld>
 </file>
 
-<file path=ppt/slides/slide27.xml><?xml version="1.0" encoding="utf-8"?>
+<file path=ppt/slides/slide28.xml><?xml version="1.0" encoding="utf-8"?>
 <p:sld xmlns:a="http://schemas.openxmlformats.org/drawingml/2006/main" xmlns:r="http://schemas.openxmlformats.org/officeDocument/2006/relationships" xmlns:p="http://schemas.openxmlformats.org/presentationml/2006/main">
   <p:cSld>
     <p:spTree>
@@ -7415,7 +7537,7 @@
 </p:sld>
 </file>
 
-<file path=ppt/slides/slide28.xml><?xml version="1.0" encoding="utf-8"?>
+<file path=ppt/slides/slide29.xml><?xml version="1.0" encoding="utf-8"?>
 <p:sld xmlns:a="http://schemas.openxmlformats.org/drawingml/2006/main" xmlns:r="http://schemas.openxmlformats.org/officeDocument/2006/relationships" xmlns:p="http://schemas.openxmlformats.org/presentationml/2006/main">
   <p:cSld>
     <p:spTree>
@@ -7469,110 +7591,6 @@
 </p:sld>
 </file>
 
-<file path=ppt/slides/slide29.xml><?xml version="1.0" encoding="utf-8"?>
-<p:sld xmlns:a="http://schemas.openxmlformats.org/drawingml/2006/main" xmlns:r="http://schemas.openxmlformats.org/officeDocument/2006/relationships" xmlns:p="http://schemas.openxmlformats.org/presentationml/2006/main">
-  <p:cSld>
-    <p:spTree>
-      <p:nvGrpSpPr>
-        <p:cNvPr id="1" name=""/>
-        <p:cNvGrpSpPr/>
-        <p:nvPr/>
-      </p:nvGrpSpPr>
-      <p:grpSpPr>
-        <a:xfrm>
-          <a:off x="0" y="0"/>
-          <a:ext cx="0" cy="0"/>
-          <a:chOff x="0" y="0"/>
-          <a:chExt cx="0" cy="0"/>
-        </a:xfrm>
-      </p:grpSpPr>
-      <p:sp>
-        <p:nvSpPr>
-          <p:cNvPr id="2" name="Title 1"/>
-          <p:cNvSpPr>
-            <a:spLocks noGrp="1"/>
-          </p:cNvSpPr>
-          <p:nvPr>
-            <p:ph type="title"/>
-          </p:nvPr>
-        </p:nvSpPr>
-        <p:spPr/>
-        <p:txBody>
-          <a:bodyPr/>
-          <a:lstStyle/>
-          <a:p>
-            <a:r>
-              <a:rPr lang="en-US" smtClean="0"/>
-              <a:t>Kontrol 7: Upload Gambar</a:t>
-            </a:r>
-            <a:endParaRPr lang="id-ID"/>
-          </a:p>
-        </p:txBody>
-      </p:sp>
-      <p:sp>
-        <p:nvSpPr>
-          <p:cNvPr id="3" name="Content Placeholder 2"/>
-          <p:cNvSpPr>
-            <a:spLocks noGrp="1"/>
-          </p:cNvSpPr>
-          <p:nvPr>
-            <p:ph idx="1"/>
-          </p:nvPr>
-        </p:nvSpPr>
-        <p:spPr/>
-        <p:txBody>
-          <a:bodyPr/>
-          <a:lstStyle/>
-          <a:p>
-            <a:r>
-              <a:rPr lang="en-US" smtClean="0"/>
-              <a:t>Buat halaman upload gambar dengan ketentuan</a:t>
-            </a:r>
-          </a:p>
-          <a:p>
-            <a:pPr lvl="1"/>
-            <a:r>
-              <a:rPr lang="en-US" smtClean="0"/>
-              <a:t>File berektensi : jpg, jpeg, gif dan png saja</a:t>
-            </a:r>
-          </a:p>
-          <a:p>
-            <a:pPr lvl="1"/>
-            <a:r>
-              <a:rPr lang="en-US" smtClean="0"/>
-              <a:t>File disimpan di folder dasar/images</a:t>
-            </a:r>
-          </a:p>
-          <a:p>
-            <a:pPr lvl="1"/>
-            <a:r>
-              <a:rPr lang="en-US" smtClean="0"/>
-              <a:t>Gambar yang ada di server di tampilkan dalam 3 kolom</a:t>
-            </a:r>
-          </a:p>
-          <a:p>
-            <a:pPr lvl="1"/>
-            <a:r>
-              <a:rPr lang="en-US" smtClean="0"/>
-              <a:t>Lebar gambar ditampilkan 60 pixel</a:t>
-            </a:r>
-            <a:endParaRPr lang="id-ID"/>
-          </a:p>
-        </p:txBody>
-      </p:sp>
-    </p:spTree>
-    <p:extLst>
-      <p:ext uri="{BB962C8B-B14F-4D97-AF65-F5344CB8AC3E}">
-        <p14:creationId xmlns:p14="http://schemas.microsoft.com/office/powerpoint/2010/main" val="3381649100"/>
-      </p:ext>
-    </p:extLst>
-  </p:cSld>
-  <p:clrMapOvr>
-    <a:masterClrMapping/>
-  </p:clrMapOvr>
-</p:sld>
-</file>
-
 <file path=ppt/slides/slide3.xml><?xml version="1.0" encoding="utf-8"?>
 <p:sld xmlns:a="http://schemas.openxmlformats.org/drawingml/2006/main" xmlns:r="http://schemas.openxmlformats.org/officeDocument/2006/relationships" xmlns:p="http://schemas.openxmlformats.org/presentationml/2006/main">
   <p:cSld>
@@ -7607,7 +7625,7 @@
           <a:p>
             <a:r>
               <a:rPr lang="en-US" smtClean="0"/>
-              <a:t>Versi ASP.NET</a:t>
+              <a:t>Agenda</a:t>
             </a:r>
             <a:endParaRPr lang="id-ID"/>
           </a:p>
@@ -7625,71 +7643,45 @@
         </p:nvSpPr>
         <p:spPr/>
         <p:txBody>
-          <a:bodyPr>
-            <a:normAutofit lnSpcReduction="10000"/>
-          </a:bodyPr>
-          <a:lstStyle/>
-          <a:p>
-            <a:r>
-              <a:rPr lang="en-US" smtClean="0"/>
-              <a:t>Versi 1.0 </a:t>
-            </a:r>
-            <a:r>
-              <a:rPr lang="en-US" smtClean="0">
-                <a:sym typeface="Wingdings" panose="05000000000000000000" pitchFamily="2" charset="2"/>
-              </a:rPr>
-              <a:t> tahun 2002</a:t>
-            </a:r>
-          </a:p>
-          <a:p>
-            <a:r>
-              <a:rPr lang="en-US" smtClean="0">
-                <a:sym typeface="Wingdings" panose="05000000000000000000" pitchFamily="2" charset="2"/>
-              </a:rPr>
-              <a:t>Versi 1.1  tahun 2003</a:t>
-            </a:r>
-          </a:p>
-          <a:p>
-            <a:r>
-              <a:rPr lang="en-US" smtClean="0">
-                <a:sym typeface="Wingdings" panose="05000000000000000000" pitchFamily="2" charset="2"/>
-              </a:rPr>
-              <a:t>Versi 2.0  Nopember 2005, bersamaan dengan .NET framework 2.0</a:t>
+          <a:bodyPr/>
+          <a:lstStyle/>
+          <a:p>
+            <a:r>
+              <a:rPr lang="en-US" smtClean="0"/>
+              <a:t>Sejarah ASP.NET</a:t>
+            </a:r>
+          </a:p>
+          <a:p>
+            <a:r>
+              <a:rPr lang="en-US" smtClean="0"/>
+              <a:t>Persiapan</a:t>
+            </a:r>
+          </a:p>
+          <a:p>
+            <a:r>
+              <a:rPr lang="en-US" smtClean="0"/>
+              <a:t>Kontrol</a:t>
             </a:r>
           </a:p>
           <a:p>
             <a:pPr lvl="1"/>
             <a:r>
-              <a:rPr lang="en-US" smtClean="0">
-                <a:sym typeface="Wingdings" panose="05000000000000000000" pitchFamily="2" charset="2"/>
-              </a:rPr>
-              <a:t>Perubahan sangat banyak</a:t>
+              <a:rPr lang="en-US" smtClean="0"/>
+              <a:t>Latihan 1, kontrol</a:t>
             </a:r>
           </a:p>
           <a:p>
             <a:pPr lvl="1"/>
             <a:r>
-              <a:rPr lang="en-US" smtClean="0">
-                <a:sym typeface="Wingdings" panose="05000000000000000000" pitchFamily="2" charset="2"/>
-              </a:rPr>
-              <a:t>Memaksimalkan penulisan kode otomatis sampai 70%</a:t>
-            </a:r>
-          </a:p>
-          <a:p>
-            <a:r>
-              <a:rPr lang="en-US" smtClean="0">
-                <a:sym typeface="Wingdings" panose="05000000000000000000" pitchFamily="2" charset="2"/>
-              </a:rPr>
-              <a:t>Versi 3.5  tahun 2008</a:t>
+              <a:rPr lang="en-US" smtClean="0"/>
+              <a:t>Latihan 2, validasi control</a:t>
             </a:r>
           </a:p>
           <a:p>
             <a:pPr lvl="1"/>
             <a:r>
-              <a:rPr lang="en-US" smtClean="0">
-                <a:sym typeface="Wingdings" panose="05000000000000000000" pitchFamily="2" charset="2"/>
-              </a:rPr>
-              <a:t>LINQ, AJAK, ListView</a:t>
+              <a:rPr lang="en-US" smtClean="0"/>
+              <a:t>Latihan 3, advance kontrol</a:t>
             </a:r>
             <a:endParaRPr lang="id-ID"/>
           </a:p>
@@ -7698,7 +7690,7 @@
     </p:spTree>
     <p:extLst>
       <p:ext uri="{BB962C8B-B14F-4D97-AF65-F5344CB8AC3E}">
-        <p14:creationId xmlns:p14="http://schemas.microsoft.com/office/powerpoint/2010/main" val="1191230737"/>
+        <p14:creationId xmlns:p14="http://schemas.microsoft.com/office/powerpoint/2010/main" val="3925288276"/>
       </p:ext>
     </p:extLst>
   </p:cSld>
@@ -7709,6 +7701,110 @@
 </file>
 
 <file path=ppt/slides/slide30.xml><?xml version="1.0" encoding="utf-8"?>
+<p:sld xmlns:a="http://schemas.openxmlformats.org/drawingml/2006/main" xmlns:r="http://schemas.openxmlformats.org/officeDocument/2006/relationships" xmlns:p="http://schemas.openxmlformats.org/presentationml/2006/main">
+  <p:cSld>
+    <p:spTree>
+      <p:nvGrpSpPr>
+        <p:cNvPr id="1" name=""/>
+        <p:cNvGrpSpPr/>
+        <p:nvPr/>
+      </p:nvGrpSpPr>
+      <p:grpSpPr>
+        <a:xfrm>
+          <a:off x="0" y="0"/>
+          <a:ext cx="0" cy="0"/>
+          <a:chOff x="0" y="0"/>
+          <a:chExt cx="0" cy="0"/>
+        </a:xfrm>
+      </p:grpSpPr>
+      <p:sp>
+        <p:nvSpPr>
+          <p:cNvPr id="2" name="Title 1"/>
+          <p:cNvSpPr>
+            <a:spLocks noGrp="1"/>
+          </p:cNvSpPr>
+          <p:nvPr>
+            <p:ph type="title"/>
+          </p:nvPr>
+        </p:nvSpPr>
+        <p:spPr/>
+        <p:txBody>
+          <a:bodyPr/>
+          <a:lstStyle/>
+          <a:p>
+            <a:r>
+              <a:rPr lang="en-US" smtClean="0"/>
+              <a:t>Kontrol 7: Upload Gambar</a:t>
+            </a:r>
+            <a:endParaRPr lang="id-ID"/>
+          </a:p>
+        </p:txBody>
+      </p:sp>
+      <p:sp>
+        <p:nvSpPr>
+          <p:cNvPr id="3" name="Content Placeholder 2"/>
+          <p:cNvSpPr>
+            <a:spLocks noGrp="1"/>
+          </p:cNvSpPr>
+          <p:nvPr>
+            <p:ph idx="1"/>
+          </p:nvPr>
+        </p:nvSpPr>
+        <p:spPr/>
+        <p:txBody>
+          <a:bodyPr/>
+          <a:lstStyle/>
+          <a:p>
+            <a:r>
+              <a:rPr lang="en-US" smtClean="0"/>
+              <a:t>Buat halaman upload gambar dengan ketentuan</a:t>
+            </a:r>
+          </a:p>
+          <a:p>
+            <a:pPr lvl="1"/>
+            <a:r>
+              <a:rPr lang="en-US" smtClean="0"/>
+              <a:t>File berektensi : jpg, jpeg, gif dan png saja</a:t>
+            </a:r>
+          </a:p>
+          <a:p>
+            <a:pPr lvl="1"/>
+            <a:r>
+              <a:rPr lang="en-US" smtClean="0"/>
+              <a:t>File disimpan di folder dasar/images</a:t>
+            </a:r>
+          </a:p>
+          <a:p>
+            <a:pPr lvl="1"/>
+            <a:r>
+              <a:rPr lang="en-US" smtClean="0"/>
+              <a:t>Gambar yang ada di server di tampilkan dalam 3 kolom</a:t>
+            </a:r>
+          </a:p>
+          <a:p>
+            <a:pPr lvl="1"/>
+            <a:r>
+              <a:rPr lang="en-US" smtClean="0"/>
+              <a:t>Lebar gambar ditampilkan 60 pixel</a:t>
+            </a:r>
+            <a:endParaRPr lang="id-ID"/>
+          </a:p>
+        </p:txBody>
+      </p:sp>
+    </p:spTree>
+    <p:extLst>
+      <p:ext uri="{BB962C8B-B14F-4D97-AF65-F5344CB8AC3E}">
+        <p14:creationId xmlns:p14="http://schemas.microsoft.com/office/powerpoint/2010/main" val="3381649100"/>
+      </p:ext>
+    </p:extLst>
+  </p:cSld>
+  <p:clrMapOvr>
+    <a:masterClrMapping/>
+  </p:clrMapOvr>
+</p:sld>
+</file>
+
+<file path=ppt/slides/slide31.xml><?xml version="1.0" encoding="utf-8"?>
 <p:sld xmlns:a="http://schemas.openxmlformats.org/drawingml/2006/main" xmlns:r="http://schemas.openxmlformats.org/officeDocument/2006/relationships" xmlns:p="http://schemas.openxmlformats.org/presentationml/2006/main">
   <p:cSld>
     <p:spTree>
@@ -7769,7 +7865,7 @@
 </p:sld>
 </file>
 
-<file path=ppt/slides/slide31.xml><?xml version="1.0" encoding="utf-8"?>
+<file path=ppt/slides/slide32.xml><?xml version="1.0" encoding="utf-8"?>
 <p:sld xmlns:a="http://schemas.openxmlformats.org/drawingml/2006/main" xmlns:r="http://schemas.openxmlformats.org/officeDocument/2006/relationships" xmlns:p="http://schemas.openxmlformats.org/presentationml/2006/main">
   <p:cSld>
     <p:spTree>
@@ -7830,101 +7926,6 @@
 </p:sld>
 </file>
 
-<file path=ppt/slides/slide32.xml><?xml version="1.0" encoding="utf-8"?>
-<p:sld xmlns:a="http://schemas.openxmlformats.org/drawingml/2006/main" xmlns:r="http://schemas.openxmlformats.org/officeDocument/2006/relationships" xmlns:p="http://schemas.openxmlformats.org/presentationml/2006/main">
-  <p:cSld>
-    <p:spTree>
-      <p:nvGrpSpPr>
-        <p:cNvPr id="1" name=""/>
-        <p:cNvGrpSpPr/>
-        <p:nvPr/>
-      </p:nvGrpSpPr>
-      <p:grpSpPr>
-        <a:xfrm>
-          <a:off x="0" y="0"/>
-          <a:ext cx="0" cy="0"/>
-          <a:chOff x="0" y="0"/>
-          <a:chExt cx="0" cy="0"/>
-        </a:xfrm>
-      </p:grpSpPr>
-      <p:sp>
-        <p:nvSpPr>
-          <p:cNvPr id="2" name="Title 1"/>
-          <p:cNvSpPr>
-            <a:spLocks noGrp="1"/>
-          </p:cNvSpPr>
-          <p:nvPr>
-            <p:ph type="title"/>
-          </p:nvPr>
-        </p:nvSpPr>
-        <p:spPr/>
-        <p:txBody>
-          <a:bodyPr/>
-          <a:lstStyle/>
-          <a:p>
-            <a:r>
-              <a:rPr lang="en-US" smtClean="0"/>
-              <a:t>Ringkasan</a:t>
-            </a:r>
-            <a:endParaRPr lang="id-ID"/>
-          </a:p>
-        </p:txBody>
-      </p:sp>
-      <p:sp>
-        <p:nvSpPr>
-          <p:cNvPr id="3" name="Content Placeholder 2"/>
-          <p:cNvSpPr>
-            <a:spLocks noGrp="1"/>
-          </p:cNvSpPr>
-          <p:nvPr>
-            <p:ph idx="1"/>
-          </p:nvPr>
-        </p:nvSpPr>
-        <p:spPr/>
-        <p:txBody>
-          <a:bodyPr/>
-          <a:lstStyle/>
-          <a:p>
-            <a:r>
-              <a:rPr lang="en-US" smtClean="0"/>
-              <a:t>Kontrol adalah dasar antar muka interaksi manusia dengan system</a:t>
-            </a:r>
-          </a:p>
-          <a:p>
-            <a:r>
-              <a:rPr lang="en-US" smtClean="0"/>
-              <a:t>Dengan visual studio, penulisan program dapat diminimalkan</a:t>
-            </a:r>
-          </a:p>
-          <a:p>
-            <a:r>
-              <a:rPr lang="en-US" smtClean="0"/>
-              <a:t>Perlu banyak latihan untuk menjadi mahir</a:t>
-            </a:r>
-            <a:endParaRPr lang="id-ID"/>
-          </a:p>
-        </p:txBody>
-      </p:sp>
-    </p:spTree>
-    <p:extLst>
-      <p:ext uri="{BB962C8B-B14F-4D97-AF65-F5344CB8AC3E}">
-        <p14:creationId xmlns:p14="http://schemas.microsoft.com/office/powerpoint/2010/main" val="926874979"/>
-      </p:ext>
-    </p:extLst>
-  </p:cSld>
-  <p:clrMapOvr>
-    <a:masterClrMapping/>
-  </p:clrMapOvr>
-  <p:timing>
-    <p:tnLst>
-      <p:par>
-        <p:cTn id="1" dur="indefinite" restart="never" nodeType="tmRoot"/>
-      </p:par>
-    </p:tnLst>
-  </p:timing>
-</p:sld>
-</file>
-
 <file path=ppt/slides/slide33.xml><?xml version="1.0" encoding="utf-8"?>
 <p:sld xmlns:a="http://schemas.openxmlformats.org/drawingml/2006/main" xmlns:r="http://schemas.openxmlformats.org/officeDocument/2006/relationships" xmlns:p="http://schemas.openxmlformats.org/presentationml/2006/main">
   <p:cSld>
@@ -7959,7 +7960,7 @@
           <a:p>
             <a:r>
               <a:rPr lang="en-US" smtClean="0"/>
-              <a:t>Agenda</a:t>
+              <a:t>Ringkasan</a:t>
             </a:r>
             <a:endParaRPr lang="id-ID"/>
           </a:p>
@@ -7977,69 +7978,25 @@
         </p:nvSpPr>
         <p:spPr/>
         <p:txBody>
-          <a:bodyPr>
-            <a:normAutofit lnSpcReduction="10000"/>
-          </a:bodyPr>
-          <a:lstStyle/>
-          <a:p>
-            <a:r>
-              <a:rPr lang="en-US" smtClean="0"/>
-              <a:t>Master pages</a:t>
-            </a:r>
-          </a:p>
-          <a:p>
-            <a:r>
-              <a:rPr lang="en-US" smtClean="0"/>
-              <a:t>Theme</a:t>
-            </a:r>
-          </a:p>
-          <a:p>
-            <a:pPr marL="285750" lvl="1"/>
-            <a:r>
-              <a:rPr lang="en-US" sz="2400"/>
-              <a:t>MSSQL</a:t>
-            </a:r>
-            <a:r>
-              <a:rPr lang="en-US"/>
-              <a:t> </a:t>
-            </a:r>
-            <a:r>
-              <a:rPr lang="en-US" smtClean="0"/>
-              <a:t>Database</a:t>
-            </a:r>
-          </a:p>
-          <a:p>
-            <a:r>
-              <a:rPr lang="en-US" smtClean="0"/>
-              <a:t>Data Binding</a:t>
-            </a:r>
-          </a:p>
-          <a:p>
-            <a:pPr lvl="1"/>
-            <a:r>
-              <a:rPr lang="en-US" smtClean="0"/>
-              <a:t>Sql Data Source</a:t>
-            </a:r>
-          </a:p>
-          <a:p>
-            <a:pPr lvl="1"/>
-            <a:r>
-              <a:rPr lang="en-US" smtClean="0"/>
-              <a:t>Grid View</a:t>
-            </a:r>
-          </a:p>
-          <a:p>
-            <a:pPr lvl="1"/>
-            <a:r>
-              <a:rPr lang="en-US" smtClean="0"/>
-              <a:t>Datail List</a:t>
-            </a:r>
-            <a:endParaRPr lang="en-US"/>
-          </a:p>
-          <a:p>
-            <a:endParaRPr lang="id-ID"/>
-          </a:p>
-          <a:p>
+          <a:bodyPr/>
+          <a:lstStyle/>
+          <a:p>
+            <a:r>
+              <a:rPr lang="en-US" smtClean="0"/>
+              <a:t>Kontrol adalah dasar antar muka interaksi manusia dengan system</a:t>
+            </a:r>
+          </a:p>
+          <a:p>
+            <a:r>
+              <a:rPr lang="en-US" smtClean="0"/>
+              <a:t>Dengan visual studio, penulisan program dapat diminimalkan</a:t>
+            </a:r>
+          </a:p>
+          <a:p>
+            <a:r>
+              <a:rPr lang="en-US" smtClean="0"/>
+              <a:t>Perlu banyak latihan untuk menjadi mahir</a:t>
+            </a:r>
             <a:endParaRPr lang="id-ID"/>
           </a:p>
         </p:txBody>
@@ -8047,7 +8004,7 @@
     </p:spTree>
     <p:extLst>
       <p:ext uri="{BB962C8B-B14F-4D97-AF65-F5344CB8AC3E}">
-        <p14:creationId xmlns:p14="http://schemas.microsoft.com/office/powerpoint/2010/main" val="2897894708"/>
+        <p14:creationId xmlns:p14="http://schemas.microsoft.com/office/powerpoint/2010/main" val="926874979"/>
       </p:ext>
     </p:extLst>
   </p:cSld>
@@ -8098,7 +8055,7 @@
           <a:p>
             <a:r>
               <a:rPr lang="en-US" smtClean="0"/>
-              <a:t>Master Pages</a:t>
+              <a:t>Agenda</a:t>
             </a:r>
             <a:endParaRPr lang="id-ID"/>
           </a:p>
@@ -8116,33 +8073,69 @@
         </p:nvSpPr>
         <p:spPr/>
         <p:txBody>
-          <a:bodyPr/>
-          <a:lstStyle/>
-          <a:p>
-            <a:r>
-              <a:rPr lang="en-US" smtClean="0"/>
-              <a:t>Membuat tampilan website konsisten</a:t>
-            </a:r>
-          </a:p>
-          <a:p>
-            <a:r>
-              <a:rPr lang="en-US" smtClean="0"/>
-              <a:t>Tag </a:t>
-            </a:r>
-            <a:r>
-              <a:rPr lang="en-US" b="1" smtClean="0"/>
-              <a:t>asp:ContentPlaceHolder</a:t>
-            </a:r>
-            <a:r>
-              <a:rPr lang="en-US" smtClean="0"/>
-              <a:t> adalah bagian yang isinya dapat berubah</a:t>
-            </a:r>
-          </a:p>
-          <a:p>
-            <a:r>
-              <a:rPr lang="en-US" smtClean="0"/>
-              <a:t>Isi tidak dapat diubah secara langsung oleh halaman turunannya</a:t>
-            </a:r>
+          <a:bodyPr>
+            <a:normAutofit lnSpcReduction="10000"/>
+          </a:bodyPr>
+          <a:lstStyle/>
+          <a:p>
+            <a:r>
+              <a:rPr lang="en-US" smtClean="0"/>
+              <a:t>Master pages</a:t>
+            </a:r>
+          </a:p>
+          <a:p>
+            <a:r>
+              <a:rPr lang="en-US" smtClean="0"/>
+              <a:t>Theme</a:t>
+            </a:r>
+          </a:p>
+          <a:p>
+            <a:pPr marL="285750" lvl="1"/>
+            <a:r>
+              <a:rPr lang="en-US" sz="2400"/>
+              <a:t>MSSQL</a:t>
+            </a:r>
+            <a:r>
+              <a:rPr lang="en-US"/>
+              <a:t> </a:t>
+            </a:r>
+            <a:r>
+              <a:rPr lang="en-US" smtClean="0"/>
+              <a:t>Database</a:t>
+            </a:r>
+          </a:p>
+          <a:p>
+            <a:r>
+              <a:rPr lang="en-US" smtClean="0"/>
+              <a:t>Data Binding</a:t>
+            </a:r>
+          </a:p>
+          <a:p>
+            <a:pPr lvl="1"/>
+            <a:r>
+              <a:rPr lang="en-US" smtClean="0"/>
+              <a:t>Sql Data Source</a:t>
+            </a:r>
+          </a:p>
+          <a:p>
+            <a:pPr lvl="1"/>
+            <a:r>
+              <a:rPr lang="en-US" smtClean="0"/>
+              <a:t>Grid View</a:t>
+            </a:r>
+          </a:p>
+          <a:p>
+            <a:pPr lvl="1"/>
+            <a:r>
+              <a:rPr lang="en-US" smtClean="0"/>
+              <a:t>Datail List</a:t>
+            </a:r>
+            <a:endParaRPr lang="en-US"/>
+          </a:p>
+          <a:p>
+            <a:endParaRPr lang="id-ID"/>
+          </a:p>
+          <a:p>
             <a:endParaRPr lang="id-ID"/>
           </a:p>
         </p:txBody>
@@ -8150,7 +8143,7 @@
     </p:spTree>
     <p:extLst>
       <p:ext uri="{BB962C8B-B14F-4D97-AF65-F5344CB8AC3E}">
-        <p14:creationId xmlns:p14="http://schemas.microsoft.com/office/powerpoint/2010/main" val="1449129248"/>
+        <p14:creationId xmlns:p14="http://schemas.microsoft.com/office/powerpoint/2010/main" val="2897894708"/>
       </p:ext>
     </p:extLst>
   </p:cSld>
@@ -8186,6 +8179,109 @@
       </p:grpSpPr>
       <p:sp>
         <p:nvSpPr>
+          <p:cNvPr id="2" name="Title 1"/>
+          <p:cNvSpPr>
+            <a:spLocks noGrp="1"/>
+          </p:cNvSpPr>
+          <p:nvPr>
+            <p:ph type="title"/>
+          </p:nvPr>
+        </p:nvSpPr>
+        <p:spPr/>
+        <p:txBody>
+          <a:bodyPr/>
+          <a:lstStyle/>
+          <a:p>
+            <a:r>
+              <a:rPr lang="en-US" smtClean="0"/>
+              <a:t>Master Pages</a:t>
+            </a:r>
+            <a:endParaRPr lang="id-ID"/>
+          </a:p>
+        </p:txBody>
+      </p:sp>
+      <p:sp>
+        <p:nvSpPr>
+          <p:cNvPr id="3" name="Content Placeholder 2"/>
+          <p:cNvSpPr>
+            <a:spLocks noGrp="1"/>
+          </p:cNvSpPr>
+          <p:nvPr>
+            <p:ph idx="1"/>
+          </p:nvPr>
+        </p:nvSpPr>
+        <p:spPr/>
+        <p:txBody>
+          <a:bodyPr/>
+          <a:lstStyle/>
+          <a:p>
+            <a:r>
+              <a:rPr lang="en-US" smtClean="0"/>
+              <a:t>Membuat tampilan website konsisten</a:t>
+            </a:r>
+          </a:p>
+          <a:p>
+            <a:r>
+              <a:rPr lang="en-US" smtClean="0"/>
+              <a:t>Tag </a:t>
+            </a:r>
+            <a:r>
+              <a:rPr lang="en-US" b="1" smtClean="0"/>
+              <a:t>asp:ContentPlaceHolder</a:t>
+            </a:r>
+            <a:r>
+              <a:rPr lang="en-US" smtClean="0"/>
+              <a:t> adalah bagian yang isinya dapat berubah</a:t>
+            </a:r>
+          </a:p>
+          <a:p>
+            <a:r>
+              <a:rPr lang="en-US" smtClean="0"/>
+              <a:t>Isi tidak dapat diubah secara langsung oleh halaman turunannya</a:t>
+            </a:r>
+            <a:endParaRPr lang="id-ID"/>
+          </a:p>
+        </p:txBody>
+      </p:sp>
+    </p:spTree>
+    <p:extLst>
+      <p:ext uri="{BB962C8B-B14F-4D97-AF65-F5344CB8AC3E}">
+        <p14:creationId xmlns:p14="http://schemas.microsoft.com/office/powerpoint/2010/main" val="1449129248"/>
+      </p:ext>
+    </p:extLst>
+  </p:cSld>
+  <p:clrMapOvr>
+    <a:masterClrMapping/>
+  </p:clrMapOvr>
+  <p:timing>
+    <p:tnLst>
+      <p:par>
+        <p:cTn id="1" dur="indefinite" restart="never" nodeType="tmRoot"/>
+      </p:par>
+    </p:tnLst>
+  </p:timing>
+</p:sld>
+</file>
+
+<file path=ppt/slides/slide36.xml><?xml version="1.0" encoding="utf-8"?>
+<p:sld xmlns:a="http://schemas.openxmlformats.org/drawingml/2006/main" xmlns:r="http://schemas.openxmlformats.org/officeDocument/2006/relationships" xmlns:p="http://schemas.openxmlformats.org/presentationml/2006/main">
+  <p:cSld>
+    <p:spTree>
+      <p:nvGrpSpPr>
+        <p:cNvPr id="1" name=""/>
+        <p:cNvGrpSpPr/>
+        <p:nvPr/>
+      </p:nvGrpSpPr>
+      <p:grpSpPr>
+        <a:xfrm>
+          <a:off x="0" y="0"/>
+          <a:ext cx="0" cy="0"/>
+          <a:chOff x="0" y="0"/>
+          <a:chExt cx="0" cy="0"/>
+        </a:xfrm>
+      </p:grpSpPr>
+      <p:sp>
+        <p:nvSpPr>
           <p:cNvPr id="3" name="Title 2"/>
           <p:cNvSpPr>
             <a:spLocks noGrp="1"/>
@@ -8284,7 +8380,7 @@
 </p:sld>
 </file>
 
-<file path=ppt/slides/slide36.xml><?xml version="1.0" encoding="utf-8"?>
+<file path=ppt/slides/slide37.xml><?xml version="1.0" encoding="utf-8"?>
 <p:sld xmlns:a="http://schemas.openxmlformats.org/drawingml/2006/main" xmlns:r="http://schemas.openxmlformats.org/officeDocument/2006/relationships" xmlns:p="http://schemas.openxmlformats.org/presentationml/2006/main">
   <p:cSld>
     <p:spTree>
@@ -8345,7 +8441,7 @@
 </p:sld>
 </file>
 
-<file path=ppt/slides/slide37.xml><?xml version="1.0" encoding="utf-8"?>
+<file path=ppt/slides/slide38.xml><?xml version="1.0" encoding="utf-8"?>
 <p:sld xmlns:a="http://schemas.openxmlformats.org/drawingml/2006/main" xmlns:r="http://schemas.openxmlformats.org/officeDocument/2006/relationships" xmlns:p="http://schemas.openxmlformats.org/presentationml/2006/main">
   <p:cSld>
     <p:spTree>
@@ -8399,7 +8495,7 @@
 </p:sld>
 </file>
 
-<file path=ppt/slides/slide38.xml><?xml version="1.0" encoding="utf-8"?>
+<file path=ppt/slides/slide39.xml><?xml version="1.0" encoding="utf-8"?>
 <p:sld xmlns:a="http://schemas.openxmlformats.org/drawingml/2006/main" xmlns:r="http://schemas.openxmlformats.org/officeDocument/2006/relationships" xmlns:p="http://schemas.openxmlformats.org/presentationml/2006/main">
   <p:cSld>
     <p:spTree>
@@ -8511,7 +8607,142 @@
 </p:sld>
 </file>
 
-<file path=ppt/slides/slide39.xml><?xml version="1.0" encoding="utf-8"?>
+<file path=ppt/slides/slide4.xml><?xml version="1.0" encoding="utf-8"?>
+<p:sld xmlns:a="http://schemas.openxmlformats.org/drawingml/2006/main" xmlns:r="http://schemas.openxmlformats.org/officeDocument/2006/relationships" xmlns:p="http://schemas.openxmlformats.org/presentationml/2006/main">
+  <p:cSld>
+    <p:spTree>
+      <p:nvGrpSpPr>
+        <p:cNvPr id="1" name=""/>
+        <p:cNvGrpSpPr/>
+        <p:nvPr/>
+      </p:nvGrpSpPr>
+      <p:grpSpPr>
+        <a:xfrm>
+          <a:off x="0" y="0"/>
+          <a:ext cx="0" cy="0"/>
+          <a:chOff x="0" y="0"/>
+          <a:chExt cx="0" cy="0"/>
+        </a:xfrm>
+      </p:grpSpPr>
+      <p:sp>
+        <p:nvSpPr>
+          <p:cNvPr id="2" name="Title 1"/>
+          <p:cNvSpPr>
+            <a:spLocks noGrp="1"/>
+          </p:cNvSpPr>
+          <p:nvPr>
+            <p:ph type="title"/>
+          </p:nvPr>
+        </p:nvSpPr>
+        <p:spPr/>
+        <p:txBody>
+          <a:bodyPr/>
+          <a:lstStyle/>
+          <a:p>
+            <a:r>
+              <a:rPr lang="en-US" smtClean="0"/>
+              <a:t>Versi ASP.NET</a:t>
+            </a:r>
+            <a:endParaRPr lang="id-ID"/>
+          </a:p>
+        </p:txBody>
+      </p:sp>
+      <p:sp>
+        <p:nvSpPr>
+          <p:cNvPr id="3" name="Content Placeholder 2"/>
+          <p:cNvSpPr>
+            <a:spLocks noGrp="1"/>
+          </p:cNvSpPr>
+          <p:nvPr>
+            <p:ph idx="1"/>
+          </p:nvPr>
+        </p:nvSpPr>
+        <p:spPr/>
+        <p:txBody>
+          <a:bodyPr>
+            <a:normAutofit lnSpcReduction="10000"/>
+          </a:bodyPr>
+          <a:lstStyle/>
+          <a:p>
+            <a:r>
+              <a:rPr lang="en-US" smtClean="0"/>
+              <a:t>Versi 1.0 </a:t>
+            </a:r>
+            <a:r>
+              <a:rPr lang="en-US" smtClean="0">
+                <a:sym typeface="Wingdings" panose="05000000000000000000" pitchFamily="2" charset="2"/>
+              </a:rPr>
+              <a:t> tahun 2002</a:t>
+            </a:r>
+          </a:p>
+          <a:p>
+            <a:r>
+              <a:rPr lang="en-US" smtClean="0">
+                <a:sym typeface="Wingdings" panose="05000000000000000000" pitchFamily="2" charset="2"/>
+              </a:rPr>
+              <a:t>Versi 1.1  tahun 2003</a:t>
+            </a:r>
+          </a:p>
+          <a:p>
+            <a:r>
+              <a:rPr lang="en-US" smtClean="0">
+                <a:sym typeface="Wingdings" panose="05000000000000000000" pitchFamily="2" charset="2"/>
+              </a:rPr>
+              <a:t>Versi 2.0  Nopember 2005, bersamaan dengan .NET framework 2.0</a:t>
+            </a:r>
+          </a:p>
+          <a:p>
+            <a:pPr lvl="1"/>
+            <a:r>
+              <a:rPr lang="en-US" smtClean="0">
+                <a:sym typeface="Wingdings" panose="05000000000000000000" pitchFamily="2" charset="2"/>
+              </a:rPr>
+              <a:t>Perubahan sangat banyak</a:t>
+            </a:r>
+          </a:p>
+          <a:p>
+            <a:pPr lvl="1"/>
+            <a:r>
+              <a:rPr lang="en-US" smtClean="0">
+                <a:sym typeface="Wingdings" panose="05000000000000000000" pitchFamily="2" charset="2"/>
+              </a:rPr>
+              <a:t>Memaksimalkan penulisan kode otomatis sampai 70%</a:t>
+            </a:r>
+          </a:p>
+          <a:p>
+            <a:r>
+              <a:rPr lang="en-US" smtClean="0">
+                <a:sym typeface="Wingdings" panose="05000000000000000000" pitchFamily="2" charset="2"/>
+              </a:rPr>
+              <a:t>Versi 3.5  tahun 2008</a:t>
+            </a:r>
+          </a:p>
+          <a:p>
+            <a:pPr lvl="1"/>
+            <a:r>
+              <a:rPr lang="en-US" smtClean="0">
+                <a:sym typeface="Wingdings" panose="05000000000000000000" pitchFamily="2" charset="2"/>
+              </a:rPr>
+              <a:t>LINQ, AJAK, ListView</a:t>
+            </a:r>
+            <a:endParaRPr lang="id-ID"/>
+          </a:p>
+        </p:txBody>
+      </p:sp>
+    </p:spTree>
+    <p:extLst>
+      <p:ext uri="{BB962C8B-B14F-4D97-AF65-F5344CB8AC3E}">
+        <p14:creationId xmlns:p14="http://schemas.microsoft.com/office/powerpoint/2010/main" val="1191230737"/>
+      </p:ext>
+    </p:extLst>
+  </p:cSld>
+  <p:clrMapOvr>
+    <a:masterClrMapping/>
+  </p:clrMapOvr>
+</p:sld>
+</file>
+
+<file path=ppt/slides/slide40.xml><?xml version="1.0" encoding="utf-8"?>
 <p:sld xmlns:a="http://schemas.openxmlformats.org/drawingml/2006/main" xmlns:r="http://schemas.openxmlformats.org/officeDocument/2006/relationships" xmlns:p="http://schemas.openxmlformats.org/presentationml/2006/main">
   <p:cSld>
     <p:spTree>
@@ -8657,125 +8888,7 @@
 </p:sld>
 </file>
 
-<file path=ppt/slides/slide4.xml><?xml version="1.0" encoding="utf-8"?>
-<p:sld xmlns:a="http://schemas.openxmlformats.org/drawingml/2006/main" xmlns:r="http://schemas.openxmlformats.org/officeDocument/2006/relationships" xmlns:p="http://schemas.openxmlformats.org/presentationml/2006/main">
-  <p:cSld>
-    <p:spTree>
-      <p:nvGrpSpPr>
-        <p:cNvPr id="1" name=""/>
-        <p:cNvGrpSpPr/>
-        <p:nvPr/>
-      </p:nvGrpSpPr>
-      <p:grpSpPr>
-        <a:xfrm>
-          <a:off x="0" y="0"/>
-          <a:ext cx="0" cy="0"/>
-          <a:chOff x="0" y="0"/>
-          <a:chExt cx="0" cy="0"/>
-        </a:xfrm>
-      </p:grpSpPr>
-      <p:sp>
-        <p:nvSpPr>
-          <p:cNvPr id="2" name="Title 1"/>
-          <p:cNvSpPr>
-            <a:spLocks noGrp="1"/>
-          </p:cNvSpPr>
-          <p:nvPr>
-            <p:ph type="title"/>
-          </p:nvPr>
-        </p:nvSpPr>
-        <p:spPr/>
-        <p:txBody>
-          <a:bodyPr/>
-          <a:lstStyle/>
-          <a:p>
-            <a:r>
-              <a:rPr lang="en-US"/>
-              <a:t>Versi ASP.NET</a:t>
-            </a:r>
-            <a:endParaRPr lang="id-ID"/>
-          </a:p>
-        </p:txBody>
-      </p:sp>
-      <p:sp>
-        <p:nvSpPr>
-          <p:cNvPr id="3" name="Content Placeholder 2"/>
-          <p:cNvSpPr>
-            <a:spLocks noGrp="1"/>
-          </p:cNvSpPr>
-          <p:nvPr>
-            <p:ph idx="1"/>
-          </p:nvPr>
-        </p:nvSpPr>
-        <p:spPr/>
-        <p:txBody>
-          <a:bodyPr/>
-          <a:lstStyle/>
-          <a:p>
-            <a:r>
-              <a:rPr lang="en-US" smtClean="0"/>
-              <a:t>Versi 4.0 </a:t>
-            </a:r>
-            <a:r>
-              <a:rPr lang="en-US" smtClean="0">
-                <a:sym typeface="Wingdings" panose="05000000000000000000" pitchFamily="2" charset="2"/>
-              </a:rPr>
-              <a:t> tahun 2010, bersamaan visual studio 2010</a:t>
-            </a:r>
-          </a:p>
-          <a:p>
-            <a:r>
-              <a:rPr lang="en-US" smtClean="0">
-                <a:sym typeface="Wingdings" panose="05000000000000000000" pitchFamily="2" charset="2"/>
-              </a:rPr>
-              <a:t>Versi 4.5  tahun 2012, bersamaan visual studio 2012</a:t>
-            </a:r>
-          </a:p>
-          <a:p>
-            <a:r>
-              <a:rPr lang="en-US" smtClean="0">
-                <a:sym typeface="Wingdings" panose="05000000000000000000" pitchFamily="2" charset="2"/>
-              </a:rPr>
-              <a:t>Versi 4.6  tahun 2015, bersamaan visual studio 2015</a:t>
-            </a:r>
-          </a:p>
-          <a:p>
-            <a:r>
-              <a:rPr lang="en-US" smtClean="0">
-                <a:sym typeface="Wingdings" panose="05000000000000000000" pitchFamily="2" charset="2"/>
-              </a:rPr>
-              <a:t>Versi 4.65 	 tahun 2019, </a:t>
-            </a:r>
-            <a:r>
-              <a:rPr lang="en-US">
-                <a:sym typeface="Wingdings" panose="05000000000000000000" pitchFamily="2" charset="2"/>
-              </a:rPr>
-              <a:t>bersamaan visual studio </a:t>
-            </a:r>
-            <a:r>
-              <a:rPr lang="en-US" smtClean="0">
-                <a:sym typeface="Wingdings" panose="05000000000000000000" pitchFamily="2" charset="2"/>
-              </a:rPr>
-              <a:t>2019</a:t>
-            </a:r>
-            <a:endParaRPr lang="id-ID"/>
-          </a:p>
-        </p:txBody>
-      </p:sp>
-    </p:spTree>
-    <p:extLst>
-      <p:ext uri="{BB962C8B-B14F-4D97-AF65-F5344CB8AC3E}">
-        <p14:creationId xmlns:p14="http://schemas.microsoft.com/office/powerpoint/2010/main" val="1356600746"/>
-      </p:ext>
-    </p:extLst>
-  </p:cSld>
-  <p:clrMapOvr>
-    <a:masterClrMapping/>
-  </p:clrMapOvr>
-</p:sld>
-</file>
-
-<file path=ppt/slides/slide40.xml><?xml version="1.0" encoding="utf-8"?>
+<file path=ppt/slides/slide41.xml><?xml version="1.0" encoding="utf-8"?>
 <p:sld xmlns:a="http://schemas.openxmlformats.org/drawingml/2006/main" xmlns:r="http://schemas.openxmlformats.org/officeDocument/2006/relationships" xmlns:p="http://schemas.openxmlformats.org/presentationml/2006/main">
   <p:cSld>
     <p:spTree>
@@ -8836,7 +8949,7 @@
 </p:sld>
 </file>
 
-<file path=ppt/slides/slide41.xml><?xml version="1.0" encoding="utf-8"?>
+<file path=ppt/slides/slide42.xml><?xml version="1.0" encoding="utf-8"?>
 <p:sld xmlns:a="http://schemas.openxmlformats.org/drawingml/2006/main" xmlns:r="http://schemas.openxmlformats.org/officeDocument/2006/relationships" xmlns:p="http://schemas.openxmlformats.org/presentationml/2006/main">
   <p:cSld>
     <p:spTree>
@@ -8945,7 +9058,7 @@
 </p:sld>
 </file>
 
-<file path=ppt/slides/slide42.xml><?xml version="1.0" encoding="utf-8"?>
+<file path=ppt/slides/slide43.xml><?xml version="1.0" encoding="utf-8"?>
 <p:sld xmlns:a="http://schemas.openxmlformats.org/drawingml/2006/main" xmlns:r="http://schemas.openxmlformats.org/officeDocument/2006/relationships" xmlns:p="http://schemas.openxmlformats.org/presentationml/2006/main">
   <p:cSld>
     <p:spTree>
@@ -9006,7 +9119,7 @@
 </p:sld>
 </file>
 
-<file path=ppt/slides/slide43.xml><?xml version="1.0" encoding="utf-8"?>
+<file path=ppt/slides/slide44.xml><?xml version="1.0" encoding="utf-8"?>
 <p:sld xmlns:a="http://schemas.openxmlformats.org/drawingml/2006/main" xmlns:r="http://schemas.openxmlformats.org/officeDocument/2006/relationships" xmlns:p="http://schemas.openxmlformats.org/presentationml/2006/main">
   <p:cSld>
     <p:spTree>
@@ -9067,7 +9180,7 @@
 </p:sld>
 </file>
 
-<file path=ppt/slides/slide44.xml><?xml version="1.0" encoding="utf-8"?>
+<file path=ppt/slides/slide45.xml><?xml version="1.0" encoding="utf-8"?>
 <p:sld xmlns:a="http://schemas.openxmlformats.org/drawingml/2006/main" xmlns:r="http://schemas.openxmlformats.org/officeDocument/2006/relationships" xmlns:p="http://schemas.openxmlformats.org/presentationml/2006/main">
   <p:cSld>
     <p:spTree>
@@ -9121,7 +9234,7 @@
 </p:sld>
 </file>
 
-<file path=ppt/slides/slide45.xml><?xml version="1.0" encoding="utf-8"?>
+<file path=ppt/slides/slide46.xml><?xml version="1.0" encoding="utf-8"?>
 <p:sld xmlns:a="http://schemas.openxmlformats.org/drawingml/2006/main" xmlns:r="http://schemas.openxmlformats.org/officeDocument/2006/relationships" xmlns:p="http://schemas.openxmlformats.org/presentationml/2006/main">
   <p:cSld>
     <p:spTree>
@@ -9175,112 +9288,6 @@
 </p:sld>
 </file>
 
-<file path=ppt/slides/slide46.xml><?xml version="1.0" encoding="utf-8"?>
-<p:sld xmlns:a="http://schemas.openxmlformats.org/drawingml/2006/main" xmlns:r="http://schemas.openxmlformats.org/officeDocument/2006/relationships" xmlns:p="http://schemas.openxmlformats.org/presentationml/2006/main">
-  <p:cSld>
-    <p:spTree>
-      <p:nvGrpSpPr>
-        <p:cNvPr id="1" name=""/>
-        <p:cNvGrpSpPr/>
-        <p:nvPr/>
-      </p:nvGrpSpPr>
-      <p:grpSpPr>
-        <a:xfrm>
-          <a:off x="0" y="0"/>
-          <a:ext cx="0" cy="0"/>
-          <a:chOff x="0" y="0"/>
-          <a:chExt cx="0" cy="0"/>
-        </a:xfrm>
-      </p:grpSpPr>
-      <p:sp>
-        <p:nvSpPr>
-          <p:cNvPr id="2" name="Title 1"/>
-          <p:cNvSpPr>
-            <a:spLocks noGrp="1"/>
-          </p:cNvSpPr>
-          <p:nvPr>
-            <p:ph type="title"/>
-          </p:nvPr>
-        </p:nvSpPr>
-        <p:spPr/>
-        <p:txBody>
-          <a:bodyPr/>
-          <a:lstStyle/>
-          <a:p>
-            <a:r>
-              <a:rPr lang="en-US" smtClean="0"/>
-              <a:t>DataBinding</a:t>
-            </a:r>
-            <a:endParaRPr lang="id-ID"/>
-          </a:p>
-        </p:txBody>
-      </p:sp>
-      <p:sp>
-        <p:nvSpPr>
-          <p:cNvPr id="3" name="Content Placeholder 2"/>
-          <p:cNvSpPr>
-            <a:spLocks noGrp="1"/>
-          </p:cNvSpPr>
-          <p:nvPr>
-            <p:ph idx="1"/>
-          </p:nvPr>
-        </p:nvSpPr>
-        <p:spPr/>
-        <p:txBody>
-          <a:bodyPr/>
-          <a:lstStyle/>
-          <a:p>
-            <a:r>
-              <a:rPr lang="en-US" smtClean="0"/>
-              <a:t>Manual binding</a:t>
-            </a:r>
-          </a:p>
-          <a:p>
-            <a:r>
-              <a:rPr lang="en-US" smtClean="0"/>
-              <a:t>List unit kerja</a:t>
-            </a:r>
-          </a:p>
-          <a:p>
-            <a:r>
-              <a:rPr lang="en-US" smtClean="0"/>
-              <a:t>Edit unit kerja</a:t>
-            </a:r>
-          </a:p>
-          <a:p>
-            <a:r>
-              <a:rPr lang="en-US" smtClean="0"/>
-              <a:t>Cari user</a:t>
-            </a:r>
-          </a:p>
-          <a:p>
-            <a:r>
-              <a:rPr lang="en-US" smtClean="0"/>
-              <a:t>List user</a:t>
-            </a:r>
-          </a:p>
-          <a:p>
-            <a:r>
-              <a:rPr lang="en-US" smtClean="0"/>
-              <a:t>Add User</a:t>
-            </a:r>
-            <a:endParaRPr lang="id-ID"/>
-          </a:p>
-        </p:txBody>
-      </p:sp>
-    </p:spTree>
-    <p:extLst>
-      <p:ext uri="{BB962C8B-B14F-4D97-AF65-F5344CB8AC3E}">
-        <p14:creationId xmlns:p14="http://schemas.microsoft.com/office/powerpoint/2010/main" val="4112152492"/>
-      </p:ext>
-    </p:extLst>
-  </p:cSld>
-  <p:clrMapOvr>
-    <a:masterClrMapping/>
-  </p:clrMapOvr>
-</p:sld>
-</file>
-
 <file path=ppt/slides/slide47.xml><?xml version="1.0" encoding="utf-8"?>
 <p:sld xmlns:a="http://schemas.openxmlformats.org/drawingml/2006/main" xmlns:r="http://schemas.openxmlformats.org/officeDocument/2006/relationships" xmlns:p="http://schemas.openxmlformats.org/presentationml/2006/main">
   <p:cSld>
@@ -9315,6 +9322,112 @@
           <a:p>
             <a:r>
               <a:rPr lang="en-US" smtClean="0"/>
+              <a:t>DataBinding</a:t>
+            </a:r>
+            <a:endParaRPr lang="id-ID"/>
+          </a:p>
+        </p:txBody>
+      </p:sp>
+      <p:sp>
+        <p:nvSpPr>
+          <p:cNvPr id="3" name="Content Placeholder 2"/>
+          <p:cNvSpPr>
+            <a:spLocks noGrp="1"/>
+          </p:cNvSpPr>
+          <p:nvPr>
+            <p:ph idx="1"/>
+          </p:nvPr>
+        </p:nvSpPr>
+        <p:spPr/>
+        <p:txBody>
+          <a:bodyPr/>
+          <a:lstStyle/>
+          <a:p>
+            <a:r>
+              <a:rPr lang="en-US" smtClean="0"/>
+              <a:t>Manual binding</a:t>
+            </a:r>
+          </a:p>
+          <a:p>
+            <a:r>
+              <a:rPr lang="en-US" smtClean="0"/>
+              <a:t>List unit kerja</a:t>
+            </a:r>
+          </a:p>
+          <a:p>
+            <a:r>
+              <a:rPr lang="en-US" smtClean="0"/>
+              <a:t>Edit unit kerja</a:t>
+            </a:r>
+          </a:p>
+          <a:p>
+            <a:r>
+              <a:rPr lang="en-US" smtClean="0"/>
+              <a:t>Cari user</a:t>
+            </a:r>
+          </a:p>
+          <a:p>
+            <a:r>
+              <a:rPr lang="en-US" smtClean="0"/>
+              <a:t>List user</a:t>
+            </a:r>
+          </a:p>
+          <a:p>
+            <a:r>
+              <a:rPr lang="en-US" smtClean="0"/>
+              <a:t>Add User</a:t>
+            </a:r>
+            <a:endParaRPr lang="id-ID"/>
+          </a:p>
+        </p:txBody>
+      </p:sp>
+    </p:spTree>
+    <p:extLst>
+      <p:ext uri="{BB962C8B-B14F-4D97-AF65-F5344CB8AC3E}">
+        <p14:creationId xmlns:p14="http://schemas.microsoft.com/office/powerpoint/2010/main" val="4112152492"/>
+      </p:ext>
+    </p:extLst>
+  </p:cSld>
+  <p:clrMapOvr>
+    <a:masterClrMapping/>
+  </p:clrMapOvr>
+</p:sld>
+</file>
+
+<file path=ppt/slides/slide48.xml><?xml version="1.0" encoding="utf-8"?>
+<p:sld xmlns:a="http://schemas.openxmlformats.org/drawingml/2006/main" xmlns:r="http://schemas.openxmlformats.org/officeDocument/2006/relationships" xmlns:p="http://schemas.openxmlformats.org/presentationml/2006/main">
+  <p:cSld>
+    <p:spTree>
+      <p:nvGrpSpPr>
+        <p:cNvPr id="1" name=""/>
+        <p:cNvGrpSpPr/>
+        <p:nvPr/>
+      </p:nvGrpSpPr>
+      <p:grpSpPr>
+        <a:xfrm>
+          <a:off x="0" y="0"/>
+          <a:ext cx="0" cy="0"/>
+          <a:chOff x="0" y="0"/>
+          <a:chExt cx="0" cy="0"/>
+        </a:xfrm>
+      </p:grpSpPr>
+      <p:sp>
+        <p:nvSpPr>
+          <p:cNvPr id="2" name="Title 1"/>
+          <p:cNvSpPr>
+            <a:spLocks noGrp="1"/>
+          </p:cNvSpPr>
+          <p:nvPr>
+            <p:ph type="title"/>
+          </p:nvPr>
+        </p:nvSpPr>
+        <p:spPr/>
+        <p:txBody>
+          <a:bodyPr/>
+          <a:lstStyle/>
+          <a:p>
+            <a:r>
+              <a:rPr lang="en-US" smtClean="0"/>
               <a:t>Manual Binding</a:t>
             </a:r>
             <a:endParaRPr lang="id-ID"/>
@@ -9391,7 +9504,7 @@
 </p:sld>
 </file>
 
-<file path=ppt/slides/slide48.xml><?xml version="1.0" encoding="utf-8"?>
+<file path=ppt/slides/slide49.xml><?xml version="1.0" encoding="utf-8"?>
 <p:sld xmlns:a="http://schemas.openxmlformats.org/drawingml/2006/main" xmlns:r="http://schemas.openxmlformats.org/officeDocument/2006/relationships" xmlns:p="http://schemas.openxmlformats.org/presentationml/2006/main">
   <p:cSld>
     <p:spTree>
@@ -9445,7 +9558,125 @@
 </p:sld>
 </file>
 
-<file path=ppt/slides/slide49.xml><?xml version="1.0" encoding="utf-8"?>
+<file path=ppt/slides/slide5.xml><?xml version="1.0" encoding="utf-8"?>
+<p:sld xmlns:a="http://schemas.openxmlformats.org/drawingml/2006/main" xmlns:r="http://schemas.openxmlformats.org/officeDocument/2006/relationships" xmlns:p="http://schemas.openxmlformats.org/presentationml/2006/main">
+  <p:cSld>
+    <p:spTree>
+      <p:nvGrpSpPr>
+        <p:cNvPr id="1" name=""/>
+        <p:cNvGrpSpPr/>
+        <p:nvPr/>
+      </p:nvGrpSpPr>
+      <p:grpSpPr>
+        <a:xfrm>
+          <a:off x="0" y="0"/>
+          <a:ext cx="0" cy="0"/>
+          <a:chOff x="0" y="0"/>
+          <a:chExt cx="0" cy="0"/>
+        </a:xfrm>
+      </p:grpSpPr>
+      <p:sp>
+        <p:nvSpPr>
+          <p:cNvPr id="2" name="Title 1"/>
+          <p:cNvSpPr>
+            <a:spLocks noGrp="1"/>
+          </p:cNvSpPr>
+          <p:nvPr>
+            <p:ph type="title"/>
+          </p:nvPr>
+        </p:nvSpPr>
+        <p:spPr/>
+        <p:txBody>
+          <a:bodyPr/>
+          <a:lstStyle/>
+          <a:p>
+            <a:r>
+              <a:rPr lang="en-US"/>
+              <a:t>Versi ASP.NET</a:t>
+            </a:r>
+            <a:endParaRPr lang="id-ID"/>
+          </a:p>
+        </p:txBody>
+      </p:sp>
+      <p:sp>
+        <p:nvSpPr>
+          <p:cNvPr id="3" name="Content Placeholder 2"/>
+          <p:cNvSpPr>
+            <a:spLocks noGrp="1"/>
+          </p:cNvSpPr>
+          <p:nvPr>
+            <p:ph idx="1"/>
+          </p:nvPr>
+        </p:nvSpPr>
+        <p:spPr/>
+        <p:txBody>
+          <a:bodyPr/>
+          <a:lstStyle/>
+          <a:p>
+            <a:r>
+              <a:rPr lang="en-US" smtClean="0"/>
+              <a:t>Versi 4.0 </a:t>
+            </a:r>
+            <a:r>
+              <a:rPr lang="en-US" smtClean="0">
+                <a:sym typeface="Wingdings" panose="05000000000000000000" pitchFamily="2" charset="2"/>
+              </a:rPr>
+              <a:t> tahun 2010, bersamaan visual studio 2010</a:t>
+            </a:r>
+          </a:p>
+          <a:p>
+            <a:r>
+              <a:rPr lang="en-US" smtClean="0">
+                <a:sym typeface="Wingdings" panose="05000000000000000000" pitchFamily="2" charset="2"/>
+              </a:rPr>
+              <a:t>Versi 4.5  tahun 2012, bersamaan visual studio 2012</a:t>
+            </a:r>
+          </a:p>
+          <a:p>
+            <a:r>
+              <a:rPr lang="en-US" smtClean="0">
+                <a:sym typeface="Wingdings" panose="05000000000000000000" pitchFamily="2" charset="2"/>
+              </a:rPr>
+              <a:t>Versi 4.6  tahun 2015, bersamaan visual studio 2015</a:t>
+            </a:r>
+          </a:p>
+          <a:p>
+            <a:r>
+              <a:rPr lang="en-US" smtClean="0">
+                <a:sym typeface="Wingdings" panose="05000000000000000000" pitchFamily="2" charset="2"/>
+              </a:rPr>
+              <a:t>Versi 4.65 	 tahun 2019, </a:t>
+            </a:r>
+            <a:r>
+              <a:rPr lang="en-US">
+                <a:sym typeface="Wingdings" panose="05000000000000000000" pitchFamily="2" charset="2"/>
+              </a:rPr>
+              <a:t>bersamaan visual studio </a:t>
+            </a:r>
+            <a:r>
+              <a:rPr lang="en-US" smtClean="0">
+                <a:sym typeface="Wingdings" panose="05000000000000000000" pitchFamily="2" charset="2"/>
+              </a:rPr>
+              <a:t>2019</a:t>
+            </a:r>
+            <a:endParaRPr lang="id-ID"/>
+          </a:p>
+        </p:txBody>
+      </p:sp>
+    </p:spTree>
+    <p:extLst>
+      <p:ext uri="{BB962C8B-B14F-4D97-AF65-F5344CB8AC3E}">
+        <p14:creationId xmlns:p14="http://schemas.microsoft.com/office/powerpoint/2010/main" val="1356600746"/>
+      </p:ext>
+    </p:extLst>
+  </p:cSld>
+  <p:clrMapOvr>
+    <a:masterClrMapping/>
+  </p:clrMapOvr>
+</p:sld>
+</file>
+
+<file path=ppt/slides/slide50.xml><?xml version="1.0" encoding="utf-8"?>
 <p:sld xmlns:a="http://schemas.openxmlformats.org/drawingml/2006/main" xmlns:r="http://schemas.openxmlformats.org/officeDocument/2006/relationships" xmlns:p="http://schemas.openxmlformats.org/presentationml/2006/main">
   <p:cSld>
     <p:spTree>
@@ -9499,7 +9730,7 @@
 </p:sld>
 </file>
 
-<file path=ppt/slides/slide5.xml><?xml version="1.0" encoding="utf-8"?>
+<file path=ppt/slides/slide51.xml><?xml version="1.0" encoding="utf-8"?>
 <p:sld xmlns:a="http://schemas.openxmlformats.org/drawingml/2006/main" xmlns:r="http://schemas.openxmlformats.org/officeDocument/2006/relationships" xmlns:p="http://schemas.openxmlformats.org/presentationml/2006/main">
   <p:cSld>
     <p:spTree>
@@ -9533,115 +9764,6 @@
           <a:p>
             <a:r>
               <a:rPr lang="en-US" smtClean="0"/>
-              <a:t>Fitur</a:t>
-            </a:r>
-            <a:endParaRPr lang="id-ID"/>
-          </a:p>
-        </p:txBody>
-      </p:sp>
-      <p:sp>
-        <p:nvSpPr>
-          <p:cNvPr id="3" name="Content Placeholder 2"/>
-          <p:cNvSpPr>
-            <a:spLocks noGrp="1"/>
-          </p:cNvSpPr>
-          <p:nvPr>
-            <p:ph idx="1"/>
-          </p:nvPr>
-        </p:nvSpPr>
-        <p:spPr/>
-        <p:txBody>
-          <a:bodyPr/>
-          <a:lstStyle/>
-          <a:p>
-            <a:r>
-              <a:rPr lang="en-US" smtClean="0"/>
-              <a:t>ASP.NET AJAX</a:t>
-            </a:r>
-          </a:p>
-          <a:p>
-            <a:pPr lvl="1"/>
-            <a:r>
-              <a:rPr lang="en-US" smtClean="0"/>
-              <a:t>Asynchronous JavaScript and XML</a:t>
-            </a:r>
-          </a:p>
-          <a:p>
-            <a:r>
-              <a:rPr lang="en-US" smtClean="0"/>
-              <a:t>LINQ</a:t>
-            </a:r>
-          </a:p>
-          <a:p>
-            <a:pPr lvl="1"/>
-            <a:r>
-              <a:rPr lang="en-US" smtClean="0"/>
-              <a:t>Language Integrated Query</a:t>
-            </a:r>
-          </a:p>
-          <a:p>
-            <a:r>
-              <a:rPr lang="en-US" smtClean="0"/>
-              <a:t>.NET Framework</a:t>
-            </a:r>
-          </a:p>
-          <a:p>
-            <a:pPr lvl="1"/>
-            <a:r>
-              <a:rPr lang="en-US" smtClean="0"/>
-              <a:t>Bahasa yang resmi disupport C#, VB dan C++</a:t>
-            </a:r>
-            <a:endParaRPr lang="id-ID"/>
-          </a:p>
-        </p:txBody>
-      </p:sp>
-    </p:spTree>
-    <p:extLst>
-      <p:ext uri="{BB962C8B-B14F-4D97-AF65-F5344CB8AC3E}">
-        <p14:creationId xmlns:p14="http://schemas.microsoft.com/office/powerpoint/2010/main" val="1340288945"/>
-      </p:ext>
-    </p:extLst>
-  </p:cSld>
-  <p:clrMapOvr>
-    <a:masterClrMapping/>
-  </p:clrMapOvr>
-</p:sld>
-</file>
-
-<file path=ppt/slides/slide50.xml><?xml version="1.0" encoding="utf-8"?>
-<p:sld xmlns:a="http://schemas.openxmlformats.org/drawingml/2006/main" xmlns:r="http://schemas.openxmlformats.org/officeDocument/2006/relationships" xmlns:p="http://schemas.openxmlformats.org/presentationml/2006/main">
-  <p:cSld>
-    <p:spTree>
-      <p:nvGrpSpPr>
-        <p:cNvPr id="1" name=""/>
-        <p:cNvGrpSpPr/>
-        <p:nvPr/>
-      </p:nvGrpSpPr>
-      <p:grpSpPr>
-        <a:xfrm>
-          <a:off x="0" y="0"/>
-          <a:ext cx="0" cy="0"/>
-          <a:chOff x="0" y="0"/>
-          <a:chExt cx="0" cy="0"/>
-        </a:xfrm>
-      </p:grpSpPr>
-      <p:sp>
-        <p:nvSpPr>
-          <p:cNvPr id="2" name="Title 1"/>
-          <p:cNvSpPr>
-            <a:spLocks noGrp="1"/>
-          </p:cNvSpPr>
-          <p:nvPr>
-            <p:ph type="title"/>
-          </p:nvPr>
-        </p:nvSpPr>
-        <p:spPr/>
-        <p:txBody>
-          <a:bodyPr/>
-          <a:lstStyle/>
-          <a:p>
-            <a:r>
-              <a:rPr lang="en-US" smtClean="0"/>
               <a:t>List Unit Kerja</a:t>
             </a:r>
             <a:endParaRPr lang="id-ID"/>
@@ -9696,7 +9818,7 @@
 </p:sld>
 </file>
 
-<file path=ppt/slides/slide51.xml><?xml version="1.0" encoding="utf-8"?>
+<file path=ppt/slides/slide52.xml><?xml version="1.0" encoding="utf-8"?>
 <p:sld xmlns:a="http://schemas.openxmlformats.org/drawingml/2006/main" xmlns:r="http://schemas.openxmlformats.org/officeDocument/2006/relationships" xmlns:p="http://schemas.openxmlformats.org/presentationml/2006/main">
   <p:cSld>
     <p:spTree>
@@ -9822,7 +9944,7 @@
 </p:sld>
 </file>
 
-<file path=ppt/slides/slide52.xml><?xml version="1.0" encoding="utf-8"?>
+<file path=ppt/slides/slide53.xml><?xml version="1.0" encoding="utf-8"?>
 <p:sld xmlns:a="http://schemas.openxmlformats.org/drawingml/2006/main" xmlns:r="http://schemas.openxmlformats.org/officeDocument/2006/relationships" xmlns:p="http://schemas.openxmlformats.org/presentationml/2006/main">
   <p:cSld>
     <p:spTree>
@@ -9935,7 +10057,7 @@
 </p:sld>
 </file>
 
-<file path=ppt/slides/slide53.xml><?xml version="1.0" encoding="utf-8"?>
+<file path=ppt/slides/slide54.xml><?xml version="1.0" encoding="utf-8"?>
 <p:sld xmlns:a="http://schemas.openxmlformats.org/drawingml/2006/main" xmlns:r="http://schemas.openxmlformats.org/officeDocument/2006/relationships" xmlns:p="http://schemas.openxmlformats.org/presentationml/2006/main">
   <p:cSld>
     <p:spTree>
@@ -10072,7 +10194,7 @@
 </p:sld>
 </file>
 
-<file path=ppt/slides/slide54.xml><?xml version="1.0" encoding="utf-8"?>
+<file path=ppt/slides/slide55.xml><?xml version="1.0" encoding="utf-8"?>
 <p:sld xmlns:a="http://schemas.openxmlformats.org/drawingml/2006/main" xmlns:r="http://schemas.openxmlformats.org/officeDocument/2006/relationships" xmlns:p="http://schemas.openxmlformats.org/presentationml/2006/main">
   <p:cSld>
     <p:spTree>
@@ -10160,7 +10282,7 @@
 </p:sld>
 </file>
 
-<file path=ppt/slides/slide55.xml><?xml version="1.0" encoding="utf-8"?>
+<file path=ppt/slides/slide56.xml><?xml version="1.0" encoding="utf-8"?>
 <p:sld xmlns:a="http://schemas.openxmlformats.org/drawingml/2006/main" xmlns:r="http://schemas.openxmlformats.org/officeDocument/2006/relationships" xmlns:p="http://schemas.openxmlformats.org/presentationml/2006/main">
   <p:cSld>
     <p:spTree>
@@ -10245,7 +10367,7 @@
 </p:sld>
 </file>
 
-<file path=ppt/slides/slide56.xml><?xml version="1.0" encoding="utf-8"?>
+<file path=ppt/slides/slide57.xml><?xml version="1.0" encoding="utf-8"?>
 <p:sld xmlns:a="http://schemas.openxmlformats.org/drawingml/2006/main" xmlns:r="http://schemas.openxmlformats.org/officeDocument/2006/relationships" xmlns:p="http://schemas.openxmlformats.org/presentationml/2006/main">
   <p:cSld>
     <p:spTree>
@@ -10347,7 +10469,7 @@
 </p:sld>
 </file>
 
-<file path=ppt/slides/slide57.xml><?xml version="1.0" encoding="utf-8"?>
+<file path=ppt/slides/slide58.xml><?xml version="1.0" encoding="utf-8"?>
 <p:sld xmlns:a="http://schemas.openxmlformats.org/drawingml/2006/main" xmlns:r="http://schemas.openxmlformats.org/officeDocument/2006/relationships" xmlns:p="http://schemas.openxmlformats.org/presentationml/2006/main">
   <p:cSld>
     <p:spTree>
@@ -10408,7 +10530,7 @@
 </p:sld>
 </file>
 
-<file path=ppt/slides/slide58.xml><?xml version="1.0" encoding="utf-8"?>
+<file path=ppt/slides/slide59.xml><?xml version="1.0" encoding="utf-8"?>
 <p:sld xmlns:a="http://schemas.openxmlformats.org/drawingml/2006/main" xmlns:r="http://schemas.openxmlformats.org/officeDocument/2006/relationships" xmlns:p="http://schemas.openxmlformats.org/presentationml/2006/main">
   <p:cSld>
     <p:spTree>
@@ -10469,100 +10591,6 @@
 </p:sld>
 </file>
 
-<file path=ppt/slides/slide59.xml><?xml version="1.0" encoding="utf-8"?>
-<p:sld xmlns:a="http://schemas.openxmlformats.org/drawingml/2006/main" xmlns:r="http://schemas.openxmlformats.org/officeDocument/2006/relationships" xmlns:p="http://schemas.openxmlformats.org/presentationml/2006/main">
-  <p:cSld>
-    <p:spTree>
-      <p:nvGrpSpPr>
-        <p:cNvPr id="1" name=""/>
-        <p:cNvGrpSpPr/>
-        <p:nvPr/>
-      </p:nvGrpSpPr>
-      <p:grpSpPr>
-        <a:xfrm>
-          <a:off x="0" y="0"/>
-          <a:ext cx="0" cy="0"/>
-          <a:chOff x="0" y="0"/>
-          <a:chExt cx="0" cy="0"/>
-        </a:xfrm>
-      </p:grpSpPr>
-      <p:sp>
-        <p:nvSpPr>
-          <p:cNvPr id="4" name="Title 3"/>
-          <p:cNvSpPr>
-            <a:spLocks noGrp="1"/>
-          </p:cNvSpPr>
-          <p:nvPr>
-            <p:ph type="title"/>
-          </p:nvPr>
-        </p:nvSpPr>
-        <p:spPr/>
-        <p:txBody>
-          <a:bodyPr/>
-          <a:lstStyle/>
-          <a:p>
-            <a:r>
-              <a:rPr lang="en-US" smtClean="0"/>
-              <a:t>Cari User</a:t>
-            </a:r>
-            <a:endParaRPr lang="id-ID"/>
-          </a:p>
-        </p:txBody>
-      </p:sp>
-      <p:sp>
-        <p:nvSpPr>
-          <p:cNvPr id="5" name="Content Placeholder 4"/>
-          <p:cNvSpPr>
-            <a:spLocks noGrp="1"/>
-          </p:cNvSpPr>
-          <p:nvPr>
-            <p:ph idx="1"/>
-          </p:nvPr>
-        </p:nvSpPr>
-        <p:spPr/>
-        <p:txBody>
-          <a:bodyPr/>
-          <a:lstStyle/>
-          <a:p>
-            <a:r>
-              <a:rPr lang="en-US" smtClean="0"/>
-              <a:t>Buat file cariUser.aspx</a:t>
-            </a:r>
-          </a:p>
-          <a:p>
-            <a:r>
-              <a:rPr lang="en-US" smtClean="0"/>
-              <a:t>Buat dialog mencari user menggunakan TextBox dan Button</a:t>
-            </a:r>
-          </a:p>
-          <a:p>
-            <a:r>
-              <a:rPr lang="en-US" smtClean="0"/>
-              <a:t>Buat SqlDataSource untuk table user</a:t>
-            </a:r>
-          </a:p>
-          <a:p>
-            <a:r>
-              <a:rPr lang="en-US" smtClean="0"/>
-              <a:t>Buat GridView</a:t>
-            </a:r>
-            <a:endParaRPr lang="id-ID"/>
-          </a:p>
-        </p:txBody>
-      </p:sp>
-    </p:spTree>
-    <p:extLst>
-      <p:ext uri="{BB962C8B-B14F-4D97-AF65-F5344CB8AC3E}">
-        <p14:creationId xmlns:p14="http://schemas.microsoft.com/office/powerpoint/2010/main" val="2130480242"/>
-      </p:ext>
-    </p:extLst>
-  </p:cSld>
-  <p:clrMapOvr>
-    <a:masterClrMapping/>
-  </p:clrMapOvr>
-</p:sld>
-</file>
-
 <file path=ppt/slides/slide6.xml><?xml version="1.0" encoding="utf-8"?>
 <p:sld xmlns:a="http://schemas.openxmlformats.org/drawingml/2006/main" xmlns:r="http://schemas.openxmlformats.org/officeDocument/2006/relationships" xmlns:p="http://schemas.openxmlformats.org/presentationml/2006/main">
   <p:cSld>
@@ -10596,7 +10624,7 @@
           <a:lstStyle/>
           <a:p>
             <a:r>
-              <a:rPr lang="en-US"/>
+              <a:rPr lang="en-US" smtClean="0"/>
               <a:t>Fitur</a:t>
             </a:r>
             <a:endParaRPr lang="id-ID"/>
@@ -10620,95 +10648,49 @@
           <a:p>
             <a:r>
               <a:rPr lang="en-US" smtClean="0"/>
-              <a:t>CLR</a:t>
+              <a:t>ASP.NET AJAX</a:t>
             </a:r>
           </a:p>
           <a:p>
             <a:pPr lvl="1"/>
             <a:r>
               <a:rPr lang="en-US" smtClean="0"/>
-              <a:t>Common Language Runtime</a:t>
+              <a:t>Asynchronous JavaScript and XML</a:t>
+            </a:r>
+          </a:p>
+          <a:p>
+            <a:r>
+              <a:rPr lang="en-US" smtClean="0"/>
+              <a:t>LINQ</a:t>
             </a:r>
           </a:p>
           <a:p>
             <a:pPr lvl="1"/>
             <a:r>
               <a:rPr lang="en-US" smtClean="0"/>
-              <a:t>Manejemen memori, eksekusi kode, verifikasi keamanan kode, hak akses</a:t>
+              <a:t>Language Integrated Query</a:t>
+            </a:r>
+          </a:p>
+          <a:p>
+            <a:r>
+              <a:rPr lang="en-US" smtClean="0"/>
+              <a:t>.NET Framework</a:t>
             </a:r>
           </a:p>
           <a:p>
             <a:pPr lvl="1"/>
             <a:r>
               <a:rPr lang="en-US" smtClean="0"/>
-              <a:t>Kompilasi aplikasi ke assembly MSIL (</a:t>
-            </a:r>
-            <a:r>
-              <a:rPr lang="en-US" i="1" smtClean="0"/>
-              <a:t>Microsoft Intermediate Language</a:t>
-            </a:r>
-            <a:r>
-              <a:rPr lang="en-US" smtClean="0"/>
-              <a:t>) </a:t>
-            </a:r>
-            <a:r>
-              <a:rPr lang="en-US" smtClean="0">
-                <a:sym typeface="Wingdings" panose="05000000000000000000" pitchFamily="2" charset="2"/>
-              </a:rPr>
-              <a:t> JIT (</a:t>
-            </a:r>
-            <a:r>
-              <a:rPr lang="en-US" i="1" smtClean="0">
-                <a:sym typeface="Wingdings" panose="05000000000000000000" pitchFamily="2" charset="2"/>
-              </a:rPr>
-              <a:t>Just In Time</a:t>
-            </a:r>
-            <a:r>
-              <a:rPr lang="en-US" smtClean="0">
-                <a:sym typeface="Wingdings" panose="05000000000000000000" pitchFamily="2" charset="2"/>
-              </a:rPr>
-              <a:t>)</a:t>
-            </a:r>
-          </a:p>
-          <a:p>
-            <a:r>
-              <a:rPr lang="en-US" smtClean="0">
-                <a:sym typeface="Wingdings" panose="05000000000000000000" pitchFamily="2" charset="2"/>
-              </a:rPr>
-              <a:t>BCL</a:t>
-            </a:r>
-          </a:p>
-          <a:p>
-            <a:pPr lvl="1"/>
-            <a:r>
-              <a:rPr lang="en-US" smtClean="0">
-                <a:sym typeface="Wingdings" panose="05000000000000000000" pitchFamily="2" charset="2"/>
-              </a:rPr>
-              <a:t>Base Class Library</a:t>
-            </a:r>
-          </a:p>
-          <a:p>
-            <a:pPr lvl="1"/>
-            <a:r>
-              <a:rPr lang="en-US" smtClean="0">
-                <a:sym typeface="Wingdings" panose="05000000000000000000" pitchFamily="2" charset="2"/>
-              </a:rPr>
-              <a:t>Kumpulan </a:t>
-            </a:r>
-            <a:r>
-              <a:rPr lang="en-US" i="1" smtClean="0">
-                <a:sym typeface="Wingdings" panose="05000000000000000000" pitchFamily="2" charset="2"/>
-              </a:rPr>
-              <a:t>reusable types</a:t>
-            </a:r>
-            <a:endParaRPr lang="id-ID" i="1"/>
+              <a:t>Bahasa yang resmi disupport C#, VB dan C++</a:t>
+            </a:r>
+            <a:endParaRPr lang="id-ID"/>
           </a:p>
         </p:txBody>
       </p:sp>
     </p:spTree>
     <p:extLst>
       <p:ext uri="{BB962C8B-B14F-4D97-AF65-F5344CB8AC3E}">
-        <p14:creationId xmlns:p14="http://schemas.microsoft.com/office/powerpoint/2010/main" val="3316462648"/>
+        <p14:creationId xmlns:p14="http://schemas.microsoft.com/office/powerpoint/2010/main" val="1340288945"/>
       </p:ext>
     </p:extLst>
   </p:cSld>
@@ -10719,6 +10701,100 @@
 </file>
 
 <file path=ppt/slides/slide60.xml><?xml version="1.0" encoding="utf-8"?>
+<p:sld xmlns:a="http://schemas.openxmlformats.org/drawingml/2006/main" xmlns:r="http://schemas.openxmlformats.org/officeDocument/2006/relationships" xmlns:p="http://schemas.openxmlformats.org/presentationml/2006/main">
+  <p:cSld>
+    <p:spTree>
+      <p:nvGrpSpPr>
+        <p:cNvPr id="1" name=""/>
+        <p:cNvGrpSpPr/>
+        <p:nvPr/>
+      </p:nvGrpSpPr>
+      <p:grpSpPr>
+        <a:xfrm>
+          <a:off x="0" y="0"/>
+          <a:ext cx="0" cy="0"/>
+          <a:chOff x="0" y="0"/>
+          <a:chExt cx="0" cy="0"/>
+        </a:xfrm>
+      </p:grpSpPr>
+      <p:sp>
+        <p:nvSpPr>
+          <p:cNvPr id="4" name="Title 3"/>
+          <p:cNvSpPr>
+            <a:spLocks noGrp="1"/>
+          </p:cNvSpPr>
+          <p:nvPr>
+            <p:ph type="title"/>
+          </p:nvPr>
+        </p:nvSpPr>
+        <p:spPr/>
+        <p:txBody>
+          <a:bodyPr/>
+          <a:lstStyle/>
+          <a:p>
+            <a:r>
+              <a:rPr lang="en-US" smtClean="0"/>
+              <a:t>Cari User</a:t>
+            </a:r>
+            <a:endParaRPr lang="id-ID"/>
+          </a:p>
+        </p:txBody>
+      </p:sp>
+      <p:sp>
+        <p:nvSpPr>
+          <p:cNvPr id="5" name="Content Placeholder 4"/>
+          <p:cNvSpPr>
+            <a:spLocks noGrp="1"/>
+          </p:cNvSpPr>
+          <p:nvPr>
+            <p:ph idx="1"/>
+          </p:nvPr>
+        </p:nvSpPr>
+        <p:spPr/>
+        <p:txBody>
+          <a:bodyPr/>
+          <a:lstStyle/>
+          <a:p>
+            <a:r>
+              <a:rPr lang="en-US" smtClean="0"/>
+              <a:t>Buat file cariUser.aspx</a:t>
+            </a:r>
+          </a:p>
+          <a:p>
+            <a:r>
+              <a:rPr lang="en-US" smtClean="0"/>
+              <a:t>Buat dialog mencari user menggunakan TextBox dan Button</a:t>
+            </a:r>
+          </a:p>
+          <a:p>
+            <a:r>
+              <a:rPr lang="en-US" smtClean="0"/>
+              <a:t>Buat SqlDataSource untuk table user</a:t>
+            </a:r>
+          </a:p>
+          <a:p>
+            <a:r>
+              <a:rPr lang="en-US" smtClean="0"/>
+              <a:t>Buat GridView</a:t>
+            </a:r>
+            <a:endParaRPr lang="id-ID"/>
+          </a:p>
+        </p:txBody>
+      </p:sp>
+    </p:spTree>
+    <p:extLst>
+      <p:ext uri="{BB962C8B-B14F-4D97-AF65-F5344CB8AC3E}">
+        <p14:creationId xmlns:p14="http://schemas.microsoft.com/office/powerpoint/2010/main" val="2130480242"/>
+      </p:ext>
+    </p:extLst>
+  </p:cSld>
+  <p:clrMapOvr>
+    <a:masterClrMapping/>
+  </p:clrMapOvr>
+</p:sld>
+</file>
+
+<file path=ppt/slides/slide61.xml><?xml version="1.0" encoding="utf-8"?>
 <p:sld xmlns:a="http://schemas.openxmlformats.org/drawingml/2006/main" xmlns:r="http://schemas.openxmlformats.org/officeDocument/2006/relationships" xmlns:p="http://schemas.openxmlformats.org/presentationml/2006/main">
   <p:cSld>
     <p:spTree>
@@ -10772,7 +10848,7 @@
 </p:sld>
 </file>
 
-<file path=ppt/slides/slide61.xml><?xml version="1.0" encoding="utf-8"?>
+<file path=ppt/slides/slide62.xml><?xml version="1.0" encoding="utf-8"?>
 <p:sld xmlns:a="http://schemas.openxmlformats.org/drawingml/2006/main" xmlns:r="http://schemas.openxmlformats.org/officeDocument/2006/relationships" xmlns:p="http://schemas.openxmlformats.org/presentationml/2006/main">
   <p:cSld>
     <p:spTree>
@@ -10860,7 +10936,7 @@
 </p:sld>
 </file>
 
-<file path=ppt/slides/slide62.xml><?xml version="1.0" encoding="utf-8"?>
+<file path=ppt/slides/slide63.xml><?xml version="1.0" encoding="utf-8"?>
 <p:sld xmlns:a="http://schemas.openxmlformats.org/drawingml/2006/main" xmlns:r="http://schemas.openxmlformats.org/officeDocument/2006/relationships" xmlns:p="http://schemas.openxmlformats.org/presentationml/2006/main">
   <p:cSld>
     <p:spTree>
@@ -10914,7 +10990,7 @@
 </p:sld>
 </file>
 
-<file path=ppt/slides/slide63.xml><?xml version="1.0" encoding="utf-8"?>
+<file path=ppt/slides/slide64.xml><?xml version="1.0" encoding="utf-8"?>
 <p:sld xmlns:a="http://schemas.openxmlformats.org/drawingml/2006/main" xmlns:r="http://schemas.openxmlformats.org/officeDocument/2006/relationships" xmlns:p="http://schemas.openxmlformats.org/presentationml/2006/main">
   <p:cSld>
     <p:spTree>
@@ -11008,7 +11084,7 @@
 </p:sld>
 </file>
 
-<file path=ppt/slides/slide64.xml><?xml version="1.0" encoding="utf-8"?>
+<file path=ppt/slides/slide65.xml><?xml version="1.0" encoding="utf-8"?>
 <p:sld xmlns:a="http://schemas.openxmlformats.org/drawingml/2006/main" xmlns:r="http://schemas.openxmlformats.org/officeDocument/2006/relationships" xmlns:p="http://schemas.openxmlformats.org/presentationml/2006/main">
   <p:cSld>
     <p:spTree>
@@ -11062,7 +11138,7 @@
 </p:sld>
 </file>
 
-<file path=ppt/slides/slide65.xml><?xml version="1.0" encoding="utf-8"?>
+<file path=ppt/slides/slide66.xml><?xml version="1.0" encoding="utf-8"?>
 <p:sld xmlns:a="http://schemas.openxmlformats.org/drawingml/2006/main" xmlns:r="http://schemas.openxmlformats.org/officeDocument/2006/relationships" xmlns:p="http://schemas.openxmlformats.org/presentationml/2006/main">
   <p:cSld>
     <p:spTree>
@@ -11116,94 +11192,6 @@
 </p:sld>
 </file>
 
-<file path=ppt/slides/slide66.xml><?xml version="1.0" encoding="utf-8"?>
-<p:sld xmlns:a="http://schemas.openxmlformats.org/drawingml/2006/main" xmlns:r="http://schemas.openxmlformats.org/officeDocument/2006/relationships" xmlns:p="http://schemas.openxmlformats.org/presentationml/2006/main">
-  <p:cSld>
-    <p:spTree>
-      <p:nvGrpSpPr>
-        <p:cNvPr id="1" name=""/>
-        <p:cNvGrpSpPr/>
-        <p:nvPr/>
-      </p:nvGrpSpPr>
-      <p:grpSpPr>
-        <a:xfrm>
-          <a:off x="0" y="0"/>
-          <a:ext cx="0" cy="0"/>
-          <a:chOff x="0" y="0"/>
-          <a:chExt cx="0" cy="0"/>
-        </a:xfrm>
-      </p:grpSpPr>
-      <p:sp>
-        <p:nvSpPr>
-          <p:cNvPr id="2" name="Title 1"/>
-          <p:cNvSpPr>
-            <a:spLocks noGrp="1"/>
-          </p:cNvSpPr>
-          <p:nvPr>
-            <p:ph type="title"/>
-          </p:nvPr>
-        </p:nvSpPr>
-        <p:spPr/>
-        <p:txBody>
-          <a:bodyPr/>
-          <a:lstStyle/>
-          <a:p>
-            <a:r>
-              <a:rPr lang="en-US" smtClean="0"/>
-              <a:t>Agenda Chart</a:t>
-            </a:r>
-            <a:endParaRPr lang="id-ID"/>
-          </a:p>
-        </p:txBody>
-      </p:sp>
-      <p:sp>
-        <p:nvSpPr>
-          <p:cNvPr id="3" name="Content Placeholder 2"/>
-          <p:cNvSpPr>
-            <a:spLocks noGrp="1"/>
-          </p:cNvSpPr>
-          <p:nvPr>
-            <p:ph idx="1"/>
-          </p:nvPr>
-        </p:nvSpPr>
-        <p:spPr/>
-        <p:txBody>
-          <a:bodyPr/>
-          <a:lstStyle/>
-          <a:p>
-            <a:r>
-              <a:rPr lang="en-US" smtClean="0"/>
-              <a:t>Chart Batang</a:t>
-            </a:r>
-          </a:p>
-          <a:p>
-            <a:r>
-              <a:rPr lang="en-US" smtClean="0"/>
-              <a:t>Chart Pie 3D</a:t>
-            </a:r>
-          </a:p>
-          <a:p>
-            <a:r>
-              <a:rPr lang="en-US" smtClean="0"/>
-              <a:t>Chart 2 Data</a:t>
-            </a:r>
-            <a:endParaRPr lang="id-ID"/>
-          </a:p>
-        </p:txBody>
-      </p:sp>
-    </p:spTree>
-    <p:extLst>
-      <p:ext uri="{BB962C8B-B14F-4D97-AF65-F5344CB8AC3E}">
-        <p14:creationId xmlns:p14="http://schemas.microsoft.com/office/powerpoint/2010/main" val="967560417"/>
-      </p:ext>
-    </p:extLst>
-  </p:cSld>
-  <p:clrMapOvr>
-    <a:masterClrMapping/>
-  </p:clrMapOvr>
-</p:sld>
-</file>
-
 <file path=ppt/slides/slide67.xml><?xml version="1.0" encoding="utf-8"?>
 <p:sld xmlns:a="http://schemas.openxmlformats.org/drawingml/2006/main" xmlns:r="http://schemas.openxmlformats.org/officeDocument/2006/relationships" xmlns:p="http://schemas.openxmlformats.org/presentationml/2006/main">
   <p:cSld>
@@ -11238,6 +11226,94 @@
           <a:p>
             <a:r>
               <a:rPr lang="en-US" smtClean="0"/>
+              <a:t>Agenda Chart</a:t>
+            </a:r>
+            <a:endParaRPr lang="id-ID"/>
+          </a:p>
+        </p:txBody>
+      </p:sp>
+      <p:sp>
+        <p:nvSpPr>
+          <p:cNvPr id="3" name="Content Placeholder 2"/>
+          <p:cNvSpPr>
+            <a:spLocks noGrp="1"/>
+          </p:cNvSpPr>
+          <p:nvPr>
+            <p:ph idx="1"/>
+          </p:nvPr>
+        </p:nvSpPr>
+        <p:spPr/>
+        <p:txBody>
+          <a:bodyPr/>
+          <a:lstStyle/>
+          <a:p>
+            <a:r>
+              <a:rPr lang="en-US" smtClean="0"/>
+              <a:t>Chart Batang</a:t>
+            </a:r>
+          </a:p>
+          <a:p>
+            <a:r>
+              <a:rPr lang="en-US" smtClean="0"/>
+              <a:t>Chart Pie 3D</a:t>
+            </a:r>
+          </a:p>
+          <a:p>
+            <a:r>
+              <a:rPr lang="en-US" smtClean="0"/>
+              <a:t>Chart 2 Data</a:t>
+            </a:r>
+            <a:endParaRPr lang="id-ID"/>
+          </a:p>
+        </p:txBody>
+      </p:sp>
+    </p:spTree>
+    <p:extLst>
+      <p:ext uri="{BB962C8B-B14F-4D97-AF65-F5344CB8AC3E}">
+        <p14:creationId xmlns:p14="http://schemas.microsoft.com/office/powerpoint/2010/main" val="967560417"/>
+      </p:ext>
+    </p:extLst>
+  </p:cSld>
+  <p:clrMapOvr>
+    <a:masterClrMapping/>
+  </p:clrMapOvr>
+</p:sld>
+</file>
+
+<file path=ppt/slides/slide68.xml><?xml version="1.0" encoding="utf-8"?>
+<p:sld xmlns:a="http://schemas.openxmlformats.org/drawingml/2006/main" xmlns:r="http://schemas.openxmlformats.org/officeDocument/2006/relationships" xmlns:p="http://schemas.openxmlformats.org/presentationml/2006/main">
+  <p:cSld>
+    <p:spTree>
+      <p:nvGrpSpPr>
+        <p:cNvPr id="1" name=""/>
+        <p:cNvGrpSpPr/>
+        <p:nvPr/>
+      </p:nvGrpSpPr>
+      <p:grpSpPr>
+        <a:xfrm>
+          <a:off x="0" y="0"/>
+          <a:ext cx="0" cy="0"/>
+          <a:chOff x="0" y="0"/>
+          <a:chExt cx="0" cy="0"/>
+        </a:xfrm>
+      </p:grpSpPr>
+      <p:sp>
+        <p:nvSpPr>
+          <p:cNvPr id="2" name="Title 1"/>
+          <p:cNvSpPr>
+            <a:spLocks noGrp="1"/>
+          </p:cNvSpPr>
+          <p:nvPr>
+            <p:ph type="title"/>
+          </p:nvPr>
+        </p:nvSpPr>
+        <p:spPr/>
+        <p:txBody>
+          <a:bodyPr/>
+          <a:lstStyle/>
+          <a:p>
+            <a:r>
+              <a:rPr lang="en-US" smtClean="0"/>
               <a:t>Chart Batang</a:t>
             </a:r>
             <a:endParaRPr lang="id-ID"/>
@@ -11300,7 +11376,7 @@
 </p:sld>
 </file>
 
-<file path=ppt/slides/slide68.xml><?xml version="1.0" encoding="utf-8"?>
+<file path=ppt/slides/slide69.xml><?xml version="1.0" encoding="utf-8"?>
 <p:sld xmlns:a="http://schemas.openxmlformats.org/drawingml/2006/main" xmlns:r="http://schemas.openxmlformats.org/officeDocument/2006/relationships" xmlns:p="http://schemas.openxmlformats.org/presentationml/2006/main">
   <p:cSld>
     <p:spTree>
@@ -11378,7 +11454,162 @@
 </p:sld>
 </file>
 
-<file path=ppt/slides/slide69.xml><?xml version="1.0" encoding="utf-8"?>
+<file path=ppt/slides/slide7.xml><?xml version="1.0" encoding="utf-8"?>
+<p:sld xmlns:a="http://schemas.openxmlformats.org/drawingml/2006/main" xmlns:r="http://schemas.openxmlformats.org/officeDocument/2006/relationships" xmlns:p="http://schemas.openxmlformats.org/presentationml/2006/main">
+  <p:cSld>
+    <p:spTree>
+      <p:nvGrpSpPr>
+        <p:cNvPr id="1" name=""/>
+        <p:cNvGrpSpPr/>
+        <p:nvPr/>
+      </p:nvGrpSpPr>
+      <p:grpSpPr>
+        <a:xfrm>
+          <a:off x="0" y="0"/>
+          <a:ext cx="0" cy="0"/>
+          <a:chOff x="0" y="0"/>
+          <a:chExt cx="0" cy="0"/>
+        </a:xfrm>
+      </p:grpSpPr>
+      <p:sp>
+        <p:nvSpPr>
+          <p:cNvPr id="2" name="Title 1"/>
+          <p:cNvSpPr>
+            <a:spLocks noGrp="1"/>
+          </p:cNvSpPr>
+          <p:nvPr>
+            <p:ph type="title"/>
+          </p:nvPr>
+        </p:nvSpPr>
+        <p:spPr/>
+        <p:txBody>
+          <a:bodyPr/>
+          <a:lstStyle/>
+          <a:p>
+            <a:r>
+              <a:rPr lang="en-US"/>
+              <a:t>Fitur</a:t>
+            </a:r>
+            <a:endParaRPr lang="id-ID"/>
+          </a:p>
+        </p:txBody>
+      </p:sp>
+      <p:sp>
+        <p:nvSpPr>
+          <p:cNvPr id="3" name="Content Placeholder 2"/>
+          <p:cNvSpPr>
+            <a:spLocks noGrp="1"/>
+          </p:cNvSpPr>
+          <p:nvPr>
+            <p:ph idx="1"/>
+          </p:nvPr>
+        </p:nvSpPr>
+        <p:spPr/>
+        <p:txBody>
+          <a:bodyPr/>
+          <a:lstStyle/>
+          <a:p>
+            <a:r>
+              <a:rPr lang="en-US" smtClean="0"/>
+              <a:t>CLR</a:t>
+            </a:r>
+          </a:p>
+          <a:p>
+            <a:pPr lvl="1"/>
+            <a:r>
+              <a:rPr lang="en-US" smtClean="0"/>
+              <a:t>Common Language Runtime</a:t>
+            </a:r>
+          </a:p>
+          <a:p>
+            <a:pPr lvl="1"/>
+            <a:r>
+              <a:rPr lang="en-US" smtClean="0"/>
+              <a:t>Manejemen memori, eksekusi kode, verifikasi keamanan kode, hak akses</a:t>
+            </a:r>
+          </a:p>
+          <a:p>
+            <a:pPr lvl="1"/>
+            <a:r>
+              <a:rPr lang="en-US" smtClean="0"/>
+              <a:t>Kompilasi aplikasi ke assembly MSIL (</a:t>
+            </a:r>
+            <a:r>
+              <a:rPr lang="en-US" i="1" smtClean="0"/>
+              <a:t>Microsoft Intermediate Language</a:t>
+            </a:r>
+            <a:r>
+              <a:rPr lang="en-US" smtClean="0"/>
+              <a:t>) </a:t>
+            </a:r>
+            <a:r>
+              <a:rPr lang="en-US" smtClean="0">
+                <a:sym typeface="Wingdings" panose="05000000000000000000" pitchFamily="2" charset="2"/>
+              </a:rPr>
+              <a:t> JIT (</a:t>
+            </a:r>
+            <a:r>
+              <a:rPr lang="en-US" i="1" smtClean="0">
+                <a:sym typeface="Wingdings" panose="05000000000000000000" pitchFamily="2" charset="2"/>
+              </a:rPr>
+              <a:t>Just In Time</a:t>
+            </a:r>
+            <a:r>
+              <a:rPr lang="en-US" smtClean="0">
+                <a:sym typeface="Wingdings" panose="05000000000000000000" pitchFamily="2" charset="2"/>
+              </a:rPr>
+              <a:t>)</a:t>
+            </a:r>
+          </a:p>
+          <a:p>
+            <a:r>
+              <a:rPr lang="en-US" smtClean="0">
+                <a:sym typeface="Wingdings" panose="05000000000000000000" pitchFamily="2" charset="2"/>
+              </a:rPr>
+              <a:t>BCL</a:t>
+            </a:r>
+          </a:p>
+          <a:p>
+            <a:pPr lvl="1"/>
+            <a:r>
+              <a:rPr lang="en-US" smtClean="0">
+                <a:sym typeface="Wingdings" panose="05000000000000000000" pitchFamily="2" charset="2"/>
+              </a:rPr>
+              <a:t>Base Class Library</a:t>
+            </a:r>
+          </a:p>
+          <a:p>
+            <a:pPr lvl="1"/>
+            <a:r>
+              <a:rPr lang="en-US" smtClean="0">
+                <a:sym typeface="Wingdings" panose="05000000000000000000" pitchFamily="2" charset="2"/>
+              </a:rPr>
+              <a:t>Kumpulan </a:t>
+            </a:r>
+            <a:r>
+              <a:rPr lang="en-US" i="1" smtClean="0">
+                <a:sym typeface="Wingdings" panose="05000000000000000000" pitchFamily="2" charset="2"/>
+              </a:rPr>
+              <a:t>reusable types</a:t>
+            </a:r>
+            <a:endParaRPr lang="id-ID" i="1"/>
+          </a:p>
+        </p:txBody>
+      </p:sp>
+    </p:spTree>
+    <p:extLst>
+      <p:ext uri="{BB962C8B-B14F-4D97-AF65-F5344CB8AC3E}">
+        <p14:creationId xmlns:p14="http://schemas.microsoft.com/office/powerpoint/2010/main" val="3316462648"/>
+      </p:ext>
+    </p:extLst>
+  </p:cSld>
+  <p:clrMapOvr>
+    <a:masterClrMapping/>
+  </p:clrMapOvr>
+</p:sld>
+</file>
+
+<file path=ppt/slides/slide70.xml><?xml version="1.0" encoding="utf-8"?>
 <p:sld xmlns:a="http://schemas.openxmlformats.org/drawingml/2006/main" xmlns:r="http://schemas.openxmlformats.org/officeDocument/2006/relationships" xmlns:p="http://schemas.openxmlformats.org/presentationml/2006/main">
   <p:cSld>
     <p:spTree>
@@ -11473,108 +11704,7 @@
 </p:sld>
 </file>
 
-<file path=ppt/slides/slide7.xml><?xml version="1.0" encoding="utf-8"?>
-<p:sld xmlns:a="http://schemas.openxmlformats.org/drawingml/2006/main" xmlns:r="http://schemas.openxmlformats.org/officeDocument/2006/relationships" xmlns:p="http://schemas.openxmlformats.org/presentationml/2006/main">
-  <p:cSld>
-    <p:spTree>
-      <p:nvGrpSpPr>
-        <p:cNvPr id="1" name=""/>
-        <p:cNvGrpSpPr/>
-        <p:nvPr/>
-      </p:nvGrpSpPr>
-      <p:grpSpPr>
-        <a:xfrm>
-          <a:off x="0" y="0"/>
-          <a:ext cx="0" cy="0"/>
-          <a:chOff x="0" y="0"/>
-          <a:chExt cx="0" cy="0"/>
-        </a:xfrm>
-      </p:grpSpPr>
-      <p:sp>
-        <p:nvSpPr>
-          <p:cNvPr id="2" name="Title 1"/>
-          <p:cNvSpPr>
-            <a:spLocks noGrp="1"/>
-          </p:cNvSpPr>
-          <p:nvPr>
-            <p:ph type="title"/>
-          </p:nvPr>
-        </p:nvSpPr>
-        <p:spPr/>
-        <p:txBody>
-          <a:bodyPr/>
-          <a:lstStyle/>
-          <a:p>
-            <a:r>
-              <a:rPr lang="en-US" smtClean="0"/>
-              <a:t>Harus Diinstall</a:t>
-            </a:r>
-            <a:endParaRPr lang="id-ID"/>
-          </a:p>
-        </p:txBody>
-      </p:sp>
-      <p:sp>
-        <p:nvSpPr>
-          <p:cNvPr id="3" name="Content Placeholder 2"/>
-          <p:cNvSpPr>
-            <a:spLocks noGrp="1"/>
-          </p:cNvSpPr>
-          <p:nvPr>
-            <p:ph idx="1"/>
-          </p:nvPr>
-        </p:nvSpPr>
-        <p:spPr/>
-        <p:txBody>
-          <a:bodyPr/>
-          <a:lstStyle/>
-          <a:p>
-            <a:r>
-              <a:rPr lang="en-US" smtClean="0"/>
-              <a:t>Windows 7, atau yang lebih baru, </a:t>
-            </a:r>
-            <a:r>
-              <a:rPr lang="id-ID">
-                <a:hlinkClick r:id="rId2"/>
-              </a:rPr>
-              <a:t>https://www.microsoft.com/en-in/windows</a:t>
-            </a:r>
-            <a:endParaRPr lang="en-US" smtClean="0"/>
-          </a:p>
-          <a:p>
-            <a:r>
-              <a:rPr lang="en-US" smtClean="0"/>
-              <a:t>Visual Studio, </a:t>
-            </a:r>
-            <a:r>
-              <a:rPr lang="id-ID">
-                <a:hlinkClick r:id="rId3"/>
-              </a:rPr>
-              <a:t>https://visualstudio.microsoft.com</a:t>
-            </a:r>
-            <a:r>
-              <a:rPr lang="id-ID" smtClean="0">
-                <a:hlinkClick r:id="rId3"/>
-              </a:rPr>
-              <a:t>/</a:t>
-            </a:r>
-            <a:endParaRPr lang="en-US" smtClean="0"/>
-          </a:p>
-        </p:txBody>
-      </p:sp>
-    </p:spTree>
-    <p:extLst>
-      <p:ext uri="{BB962C8B-B14F-4D97-AF65-F5344CB8AC3E}">
-        <p14:creationId xmlns:p14="http://schemas.microsoft.com/office/powerpoint/2010/main" val="1542167614"/>
-      </p:ext>
-    </p:extLst>
-  </p:cSld>
-  <p:clrMapOvr>
-    <a:masterClrMapping/>
-  </p:clrMapOvr>
-</p:sld>
-</file>
-
-<file path=ppt/slides/slide70.xml><?xml version="1.0" encoding="utf-8"?>
+<file path=ppt/slides/slide71.xml><?xml version="1.0" encoding="utf-8"?>
 <p:sld xmlns:a="http://schemas.openxmlformats.org/drawingml/2006/main" xmlns:r="http://schemas.openxmlformats.org/officeDocument/2006/relationships" xmlns:p="http://schemas.openxmlformats.org/presentationml/2006/main">
   <p:cSld>
     <p:spTree>
@@ -11635,7 +11765,7 @@
 </p:sld>
 </file>
 
-<file path=ppt/slides/slide71.xml><?xml version="1.0" encoding="utf-8"?>
+<file path=ppt/slides/slide72.xml><?xml version="1.0" encoding="utf-8"?>
 <p:sld xmlns:a="http://schemas.openxmlformats.org/drawingml/2006/main" xmlns:r="http://schemas.openxmlformats.org/officeDocument/2006/relationships" xmlns:p="http://schemas.openxmlformats.org/presentationml/2006/main">
   <p:cSld>
     <p:spTree>
@@ -11736,7 +11866,7 @@
 </p:sld>
 </file>
 
-<file path=ppt/slides/slide72.xml><?xml version="1.0" encoding="utf-8"?>
+<file path=ppt/slides/slide73.xml><?xml version="1.0" encoding="utf-8"?>
 <p:sld xmlns:a="http://schemas.openxmlformats.org/drawingml/2006/main" xmlns:r="http://schemas.openxmlformats.org/officeDocument/2006/relationships" xmlns:p="http://schemas.openxmlformats.org/presentationml/2006/main">
   <p:cSld>
     <p:spTree>
@@ -11797,7 +11927,7 @@
 </p:sld>
 </file>
 
-<file path=ppt/slides/slide73.xml><?xml version="1.0" encoding="utf-8"?>
+<file path=ppt/slides/slide74.xml><?xml version="1.0" encoding="utf-8"?>
 <p:sld xmlns:a="http://schemas.openxmlformats.org/drawingml/2006/main" xmlns:r="http://schemas.openxmlformats.org/officeDocument/2006/relationships" xmlns:p="http://schemas.openxmlformats.org/presentationml/2006/main">
   <p:cSld>
     <p:spTree>
@@ -11914,7 +12044,7 @@
           <a:p>
             <a:r>
               <a:rPr lang="en-US" smtClean="0"/>
-              <a:t>Visual Studio Community 2019</a:t>
+              <a:t>Harus Diinstall</a:t>
             </a:r>
             <a:endParaRPr lang="id-ID"/>
           </a:p>
@@ -11937,46 +12067,47 @@
           <a:p>
             <a:r>
               <a:rPr lang="en-US" smtClean="0"/>
-              <a:t>IDE </a:t>
-            </a:r>
-          </a:p>
-          <a:p>
-            <a:r>
-              <a:rPr lang="en-US" smtClean="0"/>
-              <a:t>Banyak target pengembangan: desktop, mobile, web dan cloud</a:t>
-            </a:r>
-          </a:p>
-          <a:p>
-            <a:r>
-              <a:rPr lang="en-US" smtClean="0"/>
-              <a:t>Tersedia banyak ektensi dari Microsoft dan pihak ketiga</a:t>
-            </a:r>
-          </a:p>
-          <a:p>
-            <a:pPr marL="0" indent="0">
-              <a:buNone/>
-            </a:pPr>
-            <a:endParaRPr lang="id-ID"/>
+              <a:t>Windows 7, atau yang lebih baru, </a:t>
+            </a:r>
+            <a:r>
+              <a:rPr lang="id-ID">
+                <a:hlinkClick r:id="rId2"/>
+              </a:rPr>
+              <a:t>https://www.microsoft.com/en-in/windows</a:t>
+            </a:r>
+            <a:endParaRPr lang="en-US" smtClean="0"/>
+          </a:p>
+          <a:p>
+            <a:r>
+              <a:rPr lang="en-US" smtClean="0"/>
+              <a:t>Visual Studio, </a:t>
+            </a:r>
+            <a:r>
+              <a:rPr lang="id-ID">
+                <a:hlinkClick r:id="rId3"/>
+              </a:rPr>
+              <a:t>https://visualstudio.microsoft.com</a:t>
+            </a:r>
+            <a:r>
+              <a:rPr lang="id-ID" smtClean="0">
+                <a:hlinkClick r:id="rId3"/>
+              </a:rPr>
+              <a:t>/</a:t>
+            </a:r>
+            <a:endParaRPr lang="en-US" smtClean="0"/>
           </a:p>
         </p:txBody>
       </p:sp>
     </p:spTree>
     <p:extLst>
       <p:ext uri="{BB962C8B-B14F-4D97-AF65-F5344CB8AC3E}">
-        <p14:creationId xmlns:p14="http://schemas.microsoft.com/office/powerpoint/2010/main" val="589898335"/>
+        <p14:creationId xmlns:p14="http://schemas.microsoft.com/office/powerpoint/2010/main" val="1542167614"/>
       </p:ext>
     </p:extLst>
   </p:cSld>
   <p:clrMapOvr>
     <a:masterClrMapping/>
   </p:clrMapOvr>
-  <p:timing>
-    <p:tnLst>
-      <p:par>
-        <p:cTn id="1" dur="indefinite" restart="never" nodeType="tmRoot"/>
-      </p:par>
-    </p:tnLst>
-  </p:timing>
 </p:sld>
 </file>
 
@@ -12014,7 +12145,7 @@
           <a:p>
             <a:r>
               <a:rPr lang="en-US" smtClean="0"/>
-              <a:t>SQL Server Express</a:t>
+              <a:t>Visual Studio Community 2019</a:t>
             </a:r>
             <a:endParaRPr lang="id-ID"/>
           </a:p>
@@ -12037,48 +12168,25 @@
           <a:p>
             <a:r>
               <a:rPr lang="en-US" smtClean="0"/>
-              <a:t>Database SQL Server versi gratis</a:t>
-            </a:r>
-          </a:p>
-          <a:p>
-            <a:r>
-              <a:rPr lang="en-US" smtClean="0"/>
-              <a:t>Fungsional lengkap</a:t>
-            </a:r>
-          </a:p>
-          <a:p>
-            <a:r>
-              <a:rPr lang="en-US" smtClean="0"/>
-              <a:t>Pembatasan:</a:t>
-            </a:r>
-          </a:p>
-          <a:p>
-            <a:pPr lvl="1"/>
-            <a:r>
-              <a:rPr lang="en-US" smtClean="0"/>
-              <a:t>RAM 1GB</a:t>
-            </a:r>
-          </a:p>
-          <a:p>
-            <a:pPr lvl="1"/>
-            <a:r>
-              <a:rPr lang="en-US" smtClean="0"/>
-              <a:t>Database Maksimal 8 GB</a:t>
-            </a:r>
-          </a:p>
-          <a:p>
-            <a:pPr lvl="1"/>
-            <a:r>
-              <a:rPr lang="en-US" smtClean="0"/>
-              <a:t>1 CPU</a:t>
-            </a:r>
-          </a:p>
-          <a:p>
-            <a:pPr lvl="1"/>
-            <a:r>
-              <a:rPr lang="en-US" smtClean="0"/>
-              <a:t>Tidak mendukung SQL Agent Job Scheduling &amp; Tuning Advisor</a:t>
-            </a:r>
+              <a:t>IDE </a:t>
+            </a:r>
+          </a:p>
+          <a:p>
+            <a:r>
+              <a:rPr lang="en-US" smtClean="0"/>
+              <a:t>Banyak target pengembangan: desktop, mobile, web dan cloud</a:t>
+            </a:r>
+          </a:p>
+          <a:p>
+            <a:r>
+              <a:rPr lang="en-US" smtClean="0"/>
+              <a:t>Tersedia banyak ektensi dari Microsoft dan pihak ketiga</a:t>
+            </a:r>
+          </a:p>
+          <a:p>
+            <a:pPr marL="0" indent="0">
+              <a:buNone/>
+            </a:pPr>
             <a:endParaRPr lang="id-ID"/>
           </a:p>
         </p:txBody>
@@ -12086,7 +12194,7 @@
     </p:spTree>
     <p:extLst>
       <p:ext uri="{BB962C8B-B14F-4D97-AF65-F5344CB8AC3E}">
-        <p14:creationId xmlns:p14="http://schemas.microsoft.com/office/powerpoint/2010/main" val="2921467980"/>
+        <p14:creationId xmlns:p14="http://schemas.microsoft.com/office/powerpoint/2010/main" val="589898335"/>
       </p:ext>
     </p:extLst>
   </p:cSld>
